--- a/Credit Risk Capstone Project.pptx
+++ b/Credit Risk Capstone Project.pptx
@@ -3895,8 +3895,8 @@
         </p:nvSpPr>
         <p:spPr>
           <a:xfrm>
-            <a:off x="1133458" y="244929"/>
-            <a:ext cx="10058400" cy="4790113"/>
+            <a:off x="1200150" y="244929"/>
+            <a:ext cx="9991708" cy="4790113"/>
           </a:xfrm>
         </p:spPr>
         <p:txBody>
@@ -3954,7 +3954,7 @@
                 <a:latin typeface="Arial" panose="020B0604020202020204" pitchFamily="34" charset="0"/>
                 <a:cs typeface="Arial" panose="020B0604020202020204" pitchFamily="34" charset="0"/>
               </a:rPr>
-              <a:t>4.What is your success metric? Improvement over baseline by 0.5% or more.</a:t>
+              <a:t>4.What is your success metric? Model performance will be guided by true positive rate sensitivity.</a:t>
             </a:r>
             <a:br>
               <a:rPr lang="en-US" sz="1600" dirty="0">
@@ -4014,7 +4014,21 @@
                 <a:latin typeface="Arial" panose="020B0604020202020204" pitchFamily="34" charset="0"/>
                 <a:cs typeface="Arial" panose="020B0604020202020204" pitchFamily="34" charset="0"/>
               </a:rPr>
-              <a:t>8.How much cleaning and munging will be required? Moderate but not excessive.</a:t>
+              <a:t>8.How much cleaning and munging will be required? </a:t>
+            </a:r>
+            <a:r>
+              <a:rPr lang="en-US" sz="1600">
+                <a:latin typeface="Arial" panose="020B0604020202020204" pitchFamily="34" charset="0"/>
+                <a:cs typeface="Arial" panose="020B0604020202020204" pitchFamily="34" charset="0"/>
+              </a:rPr>
+              <a:t>Moderate and </a:t>
+            </a:r>
+            <a:r>
+              <a:rPr lang="en-US" sz="1600" dirty="0">
+                <a:latin typeface="Arial" panose="020B0604020202020204" pitchFamily="34" charset="0"/>
+                <a:cs typeface="Arial" panose="020B0604020202020204" pitchFamily="34" charset="0"/>
+              </a:rPr>
+              <a:t>not excessive.</a:t>
             </a:r>
             <a:br>
               <a:rPr lang="en-US" sz="1600" dirty="0">

--- a/Credit Risk Capstone Project.pptx
+++ b/Credit Risk Capstone Project.pptx
@@ -4014,21 +4014,7 @@
                 <a:latin typeface="Arial" panose="020B0604020202020204" pitchFamily="34" charset="0"/>
                 <a:cs typeface="Arial" panose="020B0604020202020204" pitchFamily="34" charset="0"/>
               </a:rPr>
-              <a:t>8.How much cleaning and munging will be required? </a:t>
-            </a:r>
-            <a:r>
-              <a:rPr lang="en-US" sz="1600">
-                <a:latin typeface="Arial" panose="020B0604020202020204" pitchFamily="34" charset="0"/>
-                <a:cs typeface="Arial" panose="020B0604020202020204" pitchFamily="34" charset="0"/>
-              </a:rPr>
-              <a:t>Moderate and </a:t>
-            </a:r>
-            <a:r>
-              <a:rPr lang="en-US" sz="1600" dirty="0">
-                <a:latin typeface="Arial" panose="020B0604020202020204" pitchFamily="34" charset="0"/>
-                <a:cs typeface="Arial" panose="020B0604020202020204" pitchFamily="34" charset="0"/>
-              </a:rPr>
-              <a:t>not excessive.</a:t>
+              <a:t>8.How much cleaning and munging will be required? Moderate and not excessive.</a:t>
             </a:r>
             <a:br>
               <a:rPr lang="en-US" sz="1600" dirty="0">
@@ -6139,8 +6125,8 @@
         </p:nvSpPr>
         <p:spPr>
           <a:xfrm>
-            <a:off x="1097280" y="2222502"/>
-            <a:ext cx="10058400" cy="3012440"/>
+            <a:off x="1178923" y="2189845"/>
+            <a:ext cx="10058400" cy="3190420"/>
           </a:xfrm>
         </p:spPr>
         <p:txBody>
@@ -6209,11 +6195,34 @@
                 <a:latin typeface="Arial" panose="020B0604020202020204" pitchFamily="34" charset="0"/>
                 <a:cs typeface="Arial" panose="020B0604020202020204" pitchFamily="34" charset="0"/>
               </a:rPr>
-              <a:t>Improvements can be made to the model with a more recent and a larger data set as well as </a:t>
+              <a:t>Improvements can be made to the model with a more recent and larger data set</a:t>
+            </a:r>
+          </a:p>
+          <a:p>
+            <a:pPr>
+              <a:buFont typeface="Arial" panose="020B0604020202020204" pitchFamily="34" charset="0"/>
+              <a:buChar char="•"/>
+            </a:pPr>
+            <a:endParaRPr lang="en-US" sz="2000" dirty="0">
+              <a:latin typeface="Arial" panose="020B0604020202020204" pitchFamily="34" charset="0"/>
+              <a:cs typeface="Arial" panose="020B0604020202020204" pitchFamily="34" charset="0"/>
+            </a:endParaRPr>
+          </a:p>
+          <a:p>
+            <a:pPr>
+              <a:buFont typeface="Arial" panose="020B0604020202020204" pitchFamily="34" charset="0"/>
+              <a:buChar char="•"/>
+            </a:pPr>
+            <a:r>
+              <a:rPr lang="en-US" sz="2000" dirty="0">
+                <a:latin typeface="Arial" panose="020B0604020202020204" pitchFamily="34" charset="0"/>
+                <a:cs typeface="Arial" panose="020B0604020202020204" pitchFamily="34" charset="0"/>
+              </a:rPr>
+              <a:t>Introduce </a:t>
             </a:r>
             <a:r>
               <a:rPr lang="en-US" sz="2000" dirty="0"/>
-              <a:t>grid-searching hyper-parameters and introducing Recurrent Neural Networks</a:t>
+              <a:t>grid-searching hyper-parameters and Recurrent Neural Networks</a:t>
             </a:r>
             <a:endParaRPr lang="en-SG" sz="2000" dirty="0">
               <a:latin typeface="Arial" panose="020B0604020202020204" pitchFamily="34" charset="0"/>

--- a/Credit Risk Capstone Project.pptx
+++ b/Credit Risk Capstone Project.pptx
@@ -362,7 +362,7 @@
           <a:p>
             <a:fld id="{9184DA70-C731-4C70-880D-CCD4705E623C}" type="datetime1">
               <a:rPr lang="en-US" smtClean="0"/>
-              <a:t>4/17/2020</a:t>
+              <a:t>4/23/2020</a:t>
             </a:fld>
             <a:endParaRPr lang="en-US" dirty="0"/>
           </a:p>
@@ -550,7 +550,7 @@
           <a:p>
             <a:fld id="{4BE1D723-8F53-4F53-90B0-1982A396982E}" type="datetime1">
               <a:rPr lang="en-US" smtClean="0"/>
-              <a:t>4/17/2020</a:t>
+              <a:t>4/23/2020</a:t>
             </a:fld>
             <a:endParaRPr lang="en-US" dirty="0"/>
           </a:p>
@@ -923,7 +923,7 @@
           <a:p>
             <a:fld id="{97669AF7-7BEB-44E4-9852-375E34362B5B}" type="datetime1">
               <a:rPr lang="en-US" smtClean="0"/>
-              <a:t>4/17/2020</a:t>
+              <a:t>4/23/2020</a:t>
             </a:fld>
             <a:endParaRPr lang="en-US" dirty="0"/>
           </a:p>
@@ -1178,7 +1178,7 @@
           <a:p>
             <a:fld id="{BAAAC38D-0552-4C82-B593-E6124DFADBE2}" type="datetime1">
               <a:rPr lang="en-US" smtClean="0"/>
-              <a:t>4/17/2020</a:t>
+              <a:t>4/23/2020</a:t>
             </a:fld>
             <a:endParaRPr lang="en-US" dirty="0"/>
           </a:p>
@@ -1575,7 +1575,7 @@
           <a:p>
             <a:fld id="{D9DF0F1C-5577-4ACB-BB62-DF8F3C494C7E}" type="datetime1">
               <a:rPr lang="en-US" smtClean="0"/>
-              <a:t>4/17/2020</a:t>
+              <a:t>4/23/2020</a:t>
             </a:fld>
             <a:endParaRPr lang="en-US" dirty="0"/>
           </a:p>
@@ -1711,7 +1711,7 @@
           <a:p>
             <a:fld id="{1775B394-D9F9-4F0C-B15D-605F45CB9E9F}" type="datetime1">
               <a:rPr lang="en-US" smtClean="0"/>
-              <a:t>4/17/2020</a:t>
+              <a:t>4/23/2020</a:t>
             </a:fld>
             <a:endParaRPr lang="en-US" dirty="0"/>
           </a:p>
@@ -1868,7 +1868,7 @@
           <a:p>
             <a:fld id="{39667345-2558-425A-8533-9BFDBCE15005}" type="datetime1">
               <a:rPr lang="en-US" smtClean="0"/>
-              <a:t>4/17/2020</a:t>
+              <a:t>4/23/2020</a:t>
             </a:fld>
             <a:endParaRPr lang="en-US" dirty="0"/>
           </a:p>
@@ -2197,7 +2197,7 @@
           <a:p>
             <a:fld id="{92BEA474-078D-4E9B-9B14-09A87B19DC46}" type="datetime1">
               <a:rPr lang="en-US" smtClean="0"/>
-              <a:t>4/17/2020</a:t>
+              <a:t>4/23/2020</a:t>
             </a:fld>
             <a:endParaRPr lang="en-US" dirty="0"/>
           </a:p>
@@ -2547,7 +2547,7 @@
           <a:p>
             <a:fld id="{4907D986-8816-4272-A432-0437A28A9828}" type="datetime1">
               <a:rPr lang="en-US" smtClean="0"/>
-              <a:t>4/17/2020</a:t>
+              <a:t>4/23/2020</a:t>
             </a:fld>
             <a:endParaRPr lang="en-US" dirty="0"/>
           </a:p>
@@ -2808,7 +2808,7 @@
           <a:p>
             <a:fld id="{62D6E202-B606-4609-B914-27C9371A1F6D}" type="datetime1">
               <a:rPr lang="en-US" smtClean="0"/>
-              <a:t>4/17/2020</a:t>
+              <a:t>4/23/2020</a:t>
             </a:fld>
             <a:endParaRPr lang="en-US" dirty="0"/>
           </a:p>
@@ -3954,7 +3954,7 @@
                 <a:latin typeface="Arial" panose="020B0604020202020204" pitchFamily="34" charset="0"/>
                 <a:cs typeface="Arial" panose="020B0604020202020204" pitchFamily="34" charset="0"/>
               </a:rPr>
-              <a:t>4.What is your success metric? Model performance will be guided by true positive rate sensitivity.</a:t>
+              <a:t>4.What is your success metric? Model performance will be guided by f1 score.</a:t>
             </a:r>
             <a:br>
               <a:rPr lang="en-US" sz="1600" dirty="0">
@@ -3967,7 +3967,7 @@
                 <a:latin typeface="Arial" panose="020B0604020202020204" pitchFamily="34" charset="0"/>
                 <a:cs typeface="Arial" panose="020B0604020202020204" pitchFamily="34" charset="0"/>
               </a:rPr>
-              <a:t>5.How will you know if you are actually solving the problem in a useful way? By contrasting it against baseline.</a:t>
+              <a:t>5.How will you know if you are actually solving the problem in a useful way? By lowering default rates.</a:t>
             </a:r>
             <a:br>
               <a:rPr lang="en-US" sz="1600" dirty="0">
@@ -4095,7 +4095,7 @@
             <p:ph idx="1"/>
             <p:extLst>
               <p:ext uri="{D42A27DB-BD31-4B8C-83A1-F6EECF244321}">
-                <p14:modId xmlns:p14="http://schemas.microsoft.com/office/powerpoint/2010/main" val="1197500005"/>
+                <p14:modId xmlns:p14="http://schemas.microsoft.com/office/powerpoint/2010/main" val="4223703113"/>
               </p:ext>
             </p:extLst>
           </p:nvPr>
@@ -4182,7 +4182,7 @@
                           <a:latin typeface="Arial Unicode MS"/>
                           <a:ea typeface="Courier New" panose="02070309020205020404" pitchFamily="49" charset="0"/>
                         </a:rPr>
-                        <a:t>0.86245</a:t>
+                        <a:t>0.99927 </a:t>
                       </a:r>
                       <a:endParaRPr lang="en-SG" dirty="0"/>
                     </a:p>
@@ -4251,7 +4251,7 @@
                           <a:latin typeface="Arial Unicode MS"/>
                           <a:ea typeface="Courier New" panose="02070309020205020404" pitchFamily="49" charset="0"/>
                         </a:rPr>
-                        <a:t>0.14143</a:t>
+                        <a:t>0.99633</a:t>
                       </a:r>
                       <a:endParaRPr lang="en-SG" dirty="0"/>
                     </a:p>
@@ -4320,7 +4320,7 @@
                           <a:latin typeface="Arial Unicode MS"/>
                           <a:ea typeface="Courier New" panose="02070309020205020404" pitchFamily="49" charset="0"/>
                         </a:rPr>
-                        <a:t>0.85857</a:t>
+                        <a:t>0.00367</a:t>
                       </a:r>
                       <a:endParaRPr lang="en-SG" dirty="0"/>
                     </a:p>
@@ -4389,7 +4389,7 @@
                           <a:latin typeface="Arial Unicode MS"/>
                           <a:ea typeface="Courier New" panose="02070309020205020404" pitchFamily="49" charset="0"/>
                         </a:rPr>
-                        <a:t>0.13755</a:t>
+                        <a:t>0.00073</a:t>
                       </a:r>
                       <a:endParaRPr lang="en-SG" dirty="0"/>
                     </a:p>
@@ -4444,7 +4444,7 @@
                           <a:latin typeface="Arial Unicode MS"/>
                           <a:ea typeface="Courier New" panose="02070309020205020404" pitchFamily="49" charset="0"/>
                         </a:rPr>
-                        <a:t>0.86156</a:t>
+                        <a:t>0.99933</a:t>
                       </a:r>
                       <a:endParaRPr lang="en-SG" dirty="0"/>
                     </a:p>
@@ -4513,7 +4513,7 @@
                           <a:latin typeface="Arial Unicode MS"/>
                           <a:ea typeface="Courier New" panose="02070309020205020404" pitchFamily="49" charset="0"/>
                         </a:rPr>
-                        <a:t>0.86227</a:t>
+                        <a:t>0.99845</a:t>
                       </a:r>
                       <a:endParaRPr lang="en-SG" dirty="0"/>
                     </a:p>
@@ -4582,7 +4582,7 @@
                           <a:latin typeface="Arial Unicode MS"/>
                           <a:ea typeface="Courier New" panose="02070309020205020404" pitchFamily="49" charset="0"/>
                         </a:rPr>
-                        <a:t>0.14143</a:t>
+                        <a:t>0.99768</a:t>
                       </a:r>
                       <a:endParaRPr lang="en-SG" dirty="0"/>
                     </a:p>
@@ -4651,7 +4651,7 @@
                           <a:latin typeface="Arial Unicode MS"/>
                           <a:ea typeface="Courier New" panose="02070309020205020404" pitchFamily="49" charset="0"/>
                         </a:rPr>
-                        <a:t>0.85857</a:t>
+                        <a:t>0.00232</a:t>
                       </a:r>
                       <a:endParaRPr lang="en-SG" dirty="0"/>
                     </a:p>
@@ -4720,7 +4720,7 @@
                           <a:latin typeface="Arial Unicode MS"/>
                           <a:ea typeface="Courier New" panose="02070309020205020404" pitchFamily="49" charset="0"/>
                         </a:rPr>
-                        <a:t>0.13773</a:t>
+                        <a:t>0.00155</a:t>
                       </a:r>
                       <a:endParaRPr lang="en-SG" dirty="0"/>
                     </a:p>
@@ -4775,7 +4775,7 @@
                           <a:latin typeface="Arial Unicode MS"/>
                           <a:ea typeface="Courier New" panose="02070309020205020404" pitchFamily="49" charset="0"/>
                         </a:rPr>
-                        <a:t>0.86146</a:t>
+                        <a:t>0.99903</a:t>
                       </a:r>
                       <a:endParaRPr lang="en-SG" dirty="0"/>
                     </a:p>
@@ -4810,8 +4810,8 @@
         </p:nvSpPr>
         <p:spPr bwMode="auto">
           <a:xfrm>
-            <a:off x="1096963" y="765811"/>
-            <a:ext cx="8596905" cy="492443"/>
+            <a:off x="1096963" y="502812"/>
+            <a:ext cx="3561873" cy="984885"/>
           </a:xfrm>
           <a:prstGeom prst="rect">
             <a:avLst/>
@@ -4874,15 +4874,14 @@
                 <a:latin typeface="Arial" panose="020B0604020202020204" pitchFamily="34" charset="0"/>
                 <a:cs typeface="Arial" panose="020B0604020202020204" pitchFamily="34" charset="0"/>
               </a:rPr>
-              <a:t>Logistic Regression vs </a:t>
-            </a:r>
-            <a:r>
+              <a:t>Logistic Regression</a:t>
+            </a:r>
+            <a:br>
               <a:rPr lang="en-SG" sz="3200" dirty="0">
                 <a:latin typeface="Arial" panose="020B0604020202020204" pitchFamily="34" charset="0"/>
                 <a:cs typeface="Arial" panose="020B0604020202020204" pitchFamily="34" charset="0"/>
               </a:rPr>
-              <a:t>baseline score of 0.86508</a:t>
-            </a:r>
+            </a:br>
             <a:endParaRPr kumimoji="0" lang="en-US" altLang="en-US" sz="3200" b="0" i="0" u="none" strike="noStrike" cap="none" normalizeH="0" baseline="0" dirty="0">
               <a:ln>
                 <a:noFill/>
@@ -4893,6 +4892,95 @@
               <a:effectLst/>
               <a:latin typeface="Arial" panose="020B0604020202020204" pitchFamily="34" charset="0"/>
               <a:cs typeface="Arial" panose="020B0604020202020204" pitchFamily="34" charset="0"/>
+            </a:endParaRPr>
+          </a:p>
+        </p:txBody>
+      </p:sp>
+      <p:sp>
+        <p:nvSpPr>
+          <p:cNvPr id="3" name="Rectangle 2">
+            <a:extLst>
+              <a:ext uri="{FF2B5EF4-FFF2-40B4-BE49-F238E27FC236}">
+                <a16:creationId xmlns:a16="http://schemas.microsoft.com/office/drawing/2014/main" id="{259518D4-3BB7-44AB-90FF-AA77B16F2883}"/>
+              </a:ext>
+            </a:extLst>
+          </p:cNvPr>
+          <p:cNvSpPr>
+            <a:spLocks noChangeArrowheads="1"/>
+          </p:cNvSpPr>
+          <p:nvPr/>
+        </p:nvSpPr>
+        <p:spPr bwMode="auto">
+          <a:xfrm>
+            <a:off x="0" y="90101"/>
+            <a:ext cx="65" cy="276999"/>
+          </a:xfrm>
+          <a:prstGeom prst="rect">
+            <a:avLst/>
+          </a:prstGeom>
+          <a:solidFill>
+            <a:srgbClr val="FFFFFF"/>
+          </a:solidFill>
+          <a:ln>
+            <a:noFill/>
+          </a:ln>
+          <a:effectLst/>
+          <a:extLst>
+            <a:ext uri="{91240B29-F687-4F45-9708-019B960494DF}">
+              <a14:hiddenLine xmlns:a14="http://schemas.microsoft.com/office/drawing/2010/main" w="9525">
+                <a:solidFill>
+                  <a:schemeClr val="tx1"/>
+                </a:solidFill>
+                <a:miter lim="800000"/>
+                <a:headEnd/>
+                <a:tailEnd/>
+              </a14:hiddenLine>
+            </a:ext>
+            <a:ext uri="{AF507438-7753-43E0-B8FC-AC1667EBCBE1}">
+              <a14:hiddenEffects xmlns:a14="http://schemas.microsoft.com/office/drawing/2010/main">
+                <a:effectLst>
+                  <a:outerShdw dist="35921" dir="2700000" algn="ctr" rotWithShape="0">
+                    <a:schemeClr val="bg2"/>
+                  </a:outerShdw>
+                </a:effectLst>
+              </a14:hiddenEffects>
+            </a:ext>
+          </a:extLst>
+        </p:spPr>
+        <p:txBody>
+          <a:bodyPr vert="horz" wrap="none" lIns="0" tIns="0" rIns="0" bIns="0" numCol="1" anchor="ctr" anchorCtr="0" compatLnSpc="1">
+            <a:prstTxWarp prst="textNoShape">
+              <a:avLst/>
+            </a:prstTxWarp>
+            <a:spAutoFit/>
+          </a:bodyPr>
+          <a:lstStyle/>
+          <a:p>
+            <a:pPr marL="0" marR="0" lvl="0" indent="0" algn="l" defTabSz="914400" rtl="0" eaLnBrk="0" fontAlgn="base" latinLnBrk="0" hangingPunct="0">
+              <a:lnSpc>
+                <a:spcPct val="100000"/>
+              </a:lnSpc>
+              <a:spcBef>
+                <a:spcPct val="0"/>
+              </a:spcBef>
+              <a:spcAft>
+                <a:spcPct val="0"/>
+              </a:spcAft>
+              <a:buClrTx/>
+              <a:buSzTx/>
+              <a:buFontTx/>
+              <a:buNone/>
+              <a:tabLst/>
+            </a:pPr>
+            <a:endParaRPr kumimoji="0" lang="en-US" altLang="en-US" sz="1800" b="0" i="0" u="none" strike="noStrike" cap="none" normalizeH="0" baseline="0" dirty="0">
+              <a:ln>
+                <a:noFill/>
+              </a:ln>
+              <a:solidFill>
+                <a:schemeClr val="tx1"/>
+              </a:solidFill>
+              <a:effectLst/>
+              <a:latin typeface="Arial" panose="020B0604020202020204" pitchFamily="34" charset="0"/>
             </a:endParaRPr>
           </a:p>
         </p:txBody>
@@ -4943,14 +5031,14 @@
             <p:ph idx="1"/>
             <p:extLst>
               <p:ext uri="{D42A27DB-BD31-4B8C-83A1-F6EECF244321}">
-                <p14:modId xmlns:p14="http://schemas.microsoft.com/office/powerpoint/2010/main" val="1398854376"/>
+                <p14:modId xmlns:p14="http://schemas.microsoft.com/office/powerpoint/2010/main" val="4227070326"/>
               </p:ext>
             </p:extLst>
           </p:nvPr>
         </p:nvGraphicFramePr>
         <p:xfrm>
-          <a:off x="1096963" y="2306982"/>
-          <a:ext cx="10058400" cy="1854200"/>
+          <a:off x="1096963" y="2399251"/>
+          <a:ext cx="10058400" cy="1849120"/>
         </p:xfrm>
         <a:graphic>
           <a:graphicData uri="http://schemas.openxmlformats.org/drawingml/2006/table">
@@ -4974,7 +5062,7 @@
                   </a:extLst>
                 </a:gridCol>
               </a:tblGrid>
-              <a:tr h="370840">
+              <a:tr h="278571">
                 <a:tc>
                   <a:txBody>
                     <a:bodyPr/>
@@ -5030,7 +5118,7 @@
                           <a:latin typeface="Arial Unicode MS"/>
                           <a:ea typeface="Courier New" panose="02070309020205020404" pitchFamily="49" charset="0"/>
                         </a:rPr>
-                        <a:t>0.86339</a:t>
+                        <a:t>0.99965</a:t>
                       </a:r>
                       <a:endParaRPr lang="en-SG" dirty="0"/>
                     </a:p>
@@ -5099,7 +5187,7 @@
                           <a:latin typeface="Arial Unicode MS"/>
                           <a:ea typeface="Courier New" panose="02070309020205020404" pitchFamily="49" charset="0"/>
                         </a:rPr>
-                        <a:t>0.14054 </a:t>
+                        <a:t>0.99478</a:t>
                       </a:r>
                       <a:endParaRPr lang="en-SG" dirty="0"/>
                     </a:p>
@@ -5168,7 +5256,7 @@
                           <a:latin typeface="Arial Unicode MS"/>
                           <a:ea typeface="Courier New" panose="02070309020205020404" pitchFamily="49" charset="0"/>
                         </a:rPr>
-                        <a:t>0.85946</a:t>
+                        <a:t>0.00522</a:t>
                       </a:r>
                       <a:endParaRPr lang="en-SG" dirty="0"/>
                     </a:p>
@@ -5237,7 +5325,7 @@
                           <a:latin typeface="Arial Unicode MS"/>
                           <a:ea typeface="Courier New" panose="02070309020205020404" pitchFamily="49" charset="0"/>
                         </a:rPr>
-                        <a:t>0.13661</a:t>
+                        <a:t>0.00035</a:t>
                       </a:r>
                       <a:endParaRPr lang="en-SG" dirty="0"/>
                     </a:p>
@@ -5292,19 +5380,7 @@
                           <a:latin typeface="Arial Unicode MS"/>
                           <a:ea typeface="Courier New" panose="02070309020205020404" pitchFamily="49" charset="0"/>
                         </a:rPr>
-                        <a:t>0.86203</a:t>
-                      </a:r>
-                      <a:r>
-                        <a:rPr kumimoji="0" lang="en-US" altLang="en-US" sz="1400" b="0" i="0" u="none" strike="noStrike" cap="none" normalizeH="0" baseline="0" dirty="0">
-                          <a:ln>
-                            <a:noFill/>
-                          </a:ln>
-                          <a:solidFill>
-                            <a:schemeClr val="tx1"/>
-                          </a:solidFill>
-                          <a:effectLst/>
-                        </a:rPr>
-                        <a:t> </a:t>
+                        <a:t>0.99940</a:t>
                       </a:r>
                       <a:endParaRPr lang="en-SG" dirty="0"/>
                     </a:p>
@@ -5340,7 +5416,7 @@
         <p:spPr bwMode="auto">
           <a:xfrm>
             <a:off x="1096963" y="696836"/>
-            <a:ext cx="8016618" cy="769441"/>
+            <a:ext cx="2981585" cy="769441"/>
           </a:xfrm>
           <a:prstGeom prst="rect">
             <a:avLst/>
@@ -5398,26 +5474,98 @@
               </a:rPr>
               <a:t>Cross-Validation </a:t>
             </a:r>
-            <a:r>
-              <a:rPr lang="en-US" altLang="en-US" sz="3200" dirty="0">
+            <a:br>
+              <a:rPr lang="en-SG" b="1" dirty="0"/>
+            </a:br>
+            <a:endParaRPr kumimoji="0" lang="en-US" altLang="en-US" sz="1800" b="0" i="0" u="none" strike="noStrike" cap="none" normalizeH="0" baseline="0" dirty="0">
+              <a:ln>
+                <a:noFill/>
+              </a:ln>
+              <a:solidFill>
+                <a:schemeClr val="tx1"/>
+              </a:solidFill>
+              <a:effectLst/>
+              <a:latin typeface="Arial" panose="020B0604020202020204" pitchFamily="34" charset="0"/>
+            </a:endParaRPr>
+          </a:p>
+        </p:txBody>
+      </p:sp>
+      <p:sp>
+        <p:nvSpPr>
+          <p:cNvPr id="2" name="Rectangle 1">
+            <a:extLst>
+              <a:ext uri="{FF2B5EF4-FFF2-40B4-BE49-F238E27FC236}">
+                <a16:creationId xmlns:a16="http://schemas.microsoft.com/office/drawing/2014/main" id="{D2C3AC0B-6E78-4A7F-9D5A-0FC8C51436F8}"/>
+              </a:ext>
+            </a:extLst>
+          </p:cNvPr>
+          <p:cNvSpPr>
+            <a:spLocks noChangeArrowheads="1"/>
+          </p:cNvSpPr>
+          <p:nvPr/>
+        </p:nvSpPr>
+        <p:spPr bwMode="auto">
+          <a:xfrm>
+            <a:off x="0" y="56545"/>
+            <a:ext cx="65" cy="276999"/>
+          </a:xfrm>
+          <a:prstGeom prst="rect">
+            <a:avLst/>
+          </a:prstGeom>
+          <a:solidFill>
+            <a:srgbClr val="FFFFFF"/>
+          </a:solidFill>
+          <a:ln>
+            <a:noFill/>
+          </a:ln>
+          <a:effectLst/>
+          <a:extLst>
+            <a:ext uri="{91240B29-F687-4F45-9708-019B960494DF}">
+              <a14:hiddenLine xmlns:a14="http://schemas.microsoft.com/office/drawing/2010/main" w="9525">
                 <a:solidFill>
                   <a:schemeClr val="tx1"/>
                 </a:solidFill>
-                <a:latin typeface="Arial" panose="020B0604020202020204" pitchFamily="34" charset="0"/>
-                <a:cs typeface="Arial" panose="020B0604020202020204" pitchFamily="34" charset="0"/>
-              </a:rPr>
-              <a:t>vs </a:t>
-            </a:r>
-            <a:r>
-              <a:rPr lang="en-SG" sz="3200" dirty="0">
-                <a:latin typeface="Arial" panose="020B0604020202020204" pitchFamily="34" charset="0"/>
-                <a:cs typeface="Arial" panose="020B0604020202020204" pitchFamily="34" charset="0"/>
-              </a:rPr>
-              <a:t>baseline score of 0.86508</a:t>
-            </a:r>
-            <a:br>
-              <a:rPr lang="en-SG" b="1" dirty="0"/>
-            </a:br>
+                <a:miter lim="800000"/>
+                <a:headEnd/>
+                <a:tailEnd/>
+              </a14:hiddenLine>
+            </a:ext>
+            <a:ext uri="{AF507438-7753-43E0-B8FC-AC1667EBCBE1}">
+              <a14:hiddenEffects xmlns:a14="http://schemas.microsoft.com/office/drawing/2010/main">
+                <a:effectLst>
+                  <a:outerShdw dist="35921" dir="2700000" algn="ctr" rotWithShape="0">
+                    <a:schemeClr val="bg2"/>
+                  </a:outerShdw>
+                </a:effectLst>
+              </a14:hiddenEffects>
+            </a:ext>
+          </a:extLst>
+        </p:spPr>
+        <p:txBody>
+          <a:bodyPr vert="horz" wrap="none" lIns="0" tIns="0" rIns="0" bIns="0" numCol="1" anchor="ctr" anchorCtr="0" compatLnSpc="1">
+            <a:prstTxWarp prst="textNoShape">
+              <a:avLst/>
+            </a:prstTxWarp>
+            <a:spAutoFit/>
+          </a:bodyPr>
+          <a:lstStyle/>
+          <a:p>
+            <a:pPr marL="0" marR="0" lvl="0" indent="0" algn="l" defTabSz="914400" rtl="0" eaLnBrk="0" fontAlgn="base" latinLnBrk="0" hangingPunct="0">
+              <a:lnSpc>
+                <a:spcPct val="100000"/>
+              </a:lnSpc>
+              <a:spcBef>
+                <a:spcPct val="0"/>
+              </a:spcBef>
+              <a:spcAft>
+                <a:spcPct val="0"/>
+              </a:spcAft>
+              <a:buClrTx/>
+              <a:buSzTx/>
+              <a:buFontTx/>
+              <a:buNone/>
+              <a:tabLst/>
+            </a:pPr>
             <a:endParaRPr kumimoji="0" lang="en-US" altLang="en-US" sz="1800" b="0" i="0" u="none" strike="noStrike" cap="none" normalizeH="0" baseline="0" dirty="0">
               <a:ln>
                 <a:noFill/>
@@ -5489,24 +5637,7 @@
                 <a:latin typeface="Arial" panose="020B0604020202020204" pitchFamily="34" charset="0"/>
                 <a:cs typeface="Arial" panose="020B0604020202020204" pitchFamily="34" charset="0"/>
               </a:rPr>
-              <a:t>Random Forest Classifier </a:t>
-            </a:r>
-            <a:r>
-              <a:rPr lang="en-US" altLang="en-US" sz="3200" dirty="0">
-                <a:solidFill>
-                  <a:schemeClr val="tx1"/>
-                </a:solidFill>
-                <a:latin typeface="Arial" panose="020B0604020202020204" pitchFamily="34" charset="0"/>
-                <a:cs typeface="Arial" panose="020B0604020202020204" pitchFamily="34" charset="0"/>
-              </a:rPr>
-              <a:t>vs </a:t>
-            </a:r>
-            <a:r>
-              <a:rPr lang="en-SG" sz="3200" dirty="0">
-                <a:latin typeface="Arial" panose="020B0604020202020204" pitchFamily="34" charset="0"/>
-                <a:cs typeface="Arial" panose="020B0604020202020204" pitchFamily="34" charset="0"/>
-              </a:rPr>
-              <a:t>baseline score of 0.86508</a:t>
+              <a:t>Random Forest Classifier</a:t>
             </a:r>
             <a:br>
               <a:rPr lang="en-SG" sz="3200" dirty="0">
@@ -5534,7 +5665,7 @@
             <p:ph idx="1"/>
             <p:extLst>
               <p:ext uri="{D42A27DB-BD31-4B8C-83A1-F6EECF244321}">
-                <p14:modId xmlns:p14="http://schemas.microsoft.com/office/powerpoint/2010/main" val="3006395416"/>
+                <p14:modId xmlns:p14="http://schemas.microsoft.com/office/powerpoint/2010/main" val="986388788"/>
               </p:ext>
             </p:extLst>
           </p:nvPr>
@@ -5655,7 +5786,7 @@
                           <a:latin typeface="Arial Unicode MS"/>
                           <a:ea typeface="Courier New" panose="02070309020205020404" pitchFamily="49" charset="0"/>
                         </a:rPr>
-                        <a:t>0.86708</a:t>
+                        <a:t>0.0</a:t>
                       </a:r>
                       <a:endParaRPr kumimoji="0" lang="en-US" altLang="en-US" sz="4000" b="0" i="0" u="none" strike="noStrike" cap="none" normalizeH="0" baseline="0" dirty="0">
                         <a:ln>
@@ -5733,7 +5864,7 @@
                           <a:latin typeface="Arial Unicode MS"/>
                           <a:ea typeface="Courier New" panose="02070309020205020404" pitchFamily="49" charset="0"/>
                         </a:rPr>
-                        <a:t>0.13676</a:t>
+                        <a:t>1.0</a:t>
                       </a:r>
                       <a:endParaRPr lang="en-SG" dirty="0"/>
                     </a:p>
@@ -5802,7 +5933,7 @@
                           <a:latin typeface="Arial Unicode MS"/>
                           <a:ea typeface="Courier New" panose="02070309020205020404" pitchFamily="49" charset="0"/>
                         </a:rPr>
-                        <a:t>0.86324</a:t>
+                        <a:t>0.0</a:t>
                       </a:r>
                       <a:endParaRPr lang="en-SG" dirty="0"/>
                     </a:p>
@@ -5871,7 +6002,7 @@
                           <a:latin typeface="Arial Unicode MS"/>
                           <a:ea typeface="Courier New" panose="02070309020205020404" pitchFamily="49" charset="0"/>
                         </a:rPr>
-                        <a:t>0.13292</a:t>
+                        <a:t>1.0</a:t>
                       </a:r>
                       <a:endParaRPr lang="en-SG" dirty="0"/>
                     </a:p>
@@ -5926,19 +6057,7 @@
                           <a:latin typeface="Arial Unicode MS"/>
                           <a:ea typeface="Courier New" panose="02070309020205020404" pitchFamily="49" charset="0"/>
                         </a:rPr>
-                        <a:t>0.86386</a:t>
-                      </a:r>
-                      <a:r>
-                        <a:rPr kumimoji="0" lang="en-US" altLang="en-US" sz="1400" b="0" i="0" u="none" strike="noStrike" cap="none" normalizeH="0" baseline="0" dirty="0">
-                          <a:ln>
-                            <a:noFill/>
-                          </a:ln>
-                          <a:solidFill>
-                            <a:schemeClr val="tx1"/>
-                          </a:solidFill>
-                          <a:effectLst/>
-                        </a:rPr>
-                        <a:t> </a:t>
+                        <a:t>0.0</a:t>
                       </a:r>
                       <a:endParaRPr lang="en-SG" dirty="0"/>
                     </a:p>
@@ -6140,11 +6259,14 @@
               <a:buChar char="•"/>
             </a:pPr>
             <a:r>
-              <a:rPr lang="en-SG" sz="2000" dirty="0">
-                <a:latin typeface="Arial" panose="020B0604020202020204" pitchFamily="34" charset="0"/>
-                <a:cs typeface="Arial" panose="020B0604020202020204" pitchFamily="34" charset="0"/>
+              <a:rPr lang="en-US" altLang="en-US" sz="2000" dirty="0" err="1">
+                <a:solidFill>
+                  <a:srgbClr val="000000"/>
+                </a:solidFill>
+                <a:latin typeface="Arial Unicode MS"/>
+                <a:ea typeface="Courier New" panose="02070309020205020404" pitchFamily="49" charset="0"/>
               </a:rPr>
-              <a:t>Random Forest Classifier Sensitivity(</a:t>
+              <a:t>LogisticRegression</a:t>
             </a:r>
             <a:r>
               <a:rPr lang="en-US" altLang="en-US" sz="2000" dirty="0">
@@ -6154,25 +6276,31 @@
                 <a:latin typeface="Arial Unicode MS"/>
                 <a:ea typeface="Courier New" panose="02070309020205020404" pitchFamily="49" charset="0"/>
               </a:rPr>
-              <a:t>0.86708) is the best among the models and </a:t>
-            </a:r>
-            <a:r>
-              <a:rPr lang="en-US" altLang="en-US" sz="2000" dirty="0">
-                <a:solidFill>
-                  <a:schemeClr val="tx1"/>
-                </a:solidFill>
-                <a:latin typeface="Arial" panose="020B0604020202020204" pitchFamily="34" charset="0"/>
-                <a:ea typeface="Courier New" panose="02070309020205020404" pitchFamily="49" charset="0"/>
-                <a:cs typeface="Arial" panose="020B0604020202020204" pitchFamily="34" charset="0"/>
-              </a:rPr>
-              <a:t>managed to marginally outperform the </a:t>
+              <a:t> class weight balanced f1 score</a:t>
             </a:r>
             <a:r>
               <a:rPr lang="en-SG" sz="2000" dirty="0">
                 <a:latin typeface="Arial" panose="020B0604020202020204" pitchFamily="34" charset="0"/>
                 <a:cs typeface="Arial" panose="020B0604020202020204" pitchFamily="34" charset="0"/>
               </a:rPr>
-              <a:t>baseline(0.86508), therefore this is our recommended model</a:t>
+              <a:t>(</a:t>
+            </a:r>
+            <a:r>
+              <a:rPr lang="en-US" altLang="en-US" sz="2000" dirty="0">
+                <a:solidFill>
+                  <a:srgbClr val="000000"/>
+                </a:solidFill>
+                <a:latin typeface="Arial Unicode MS"/>
+                <a:ea typeface="Courier New" panose="02070309020205020404" pitchFamily="49" charset="0"/>
+              </a:rPr>
+              <a:t>0.99933) is the best among the models</a:t>
+            </a:r>
+            <a:r>
+              <a:rPr lang="en-SG" sz="2000" dirty="0">
+                <a:latin typeface="Arial" panose="020B0604020202020204" pitchFamily="34" charset="0"/>
+                <a:cs typeface="Arial" panose="020B0604020202020204" pitchFamily="34" charset="0"/>
+              </a:rPr>
+              <a:t>, therefore this is our recommended model</a:t>
             </a:r>
           </a:p>
           <a:p>
@@ -6571,24 +6699,6 @@
 </file>
 
 <file path=customXml/item1.xml><?xml version="1.0" encoding="utf-8"?>
-<?mso-contentType ?>
-<FormTemplates xmlns="http://schemas.microsoft.com/sharepoint/v3/contenttype/forms">
-  <Display>DocumentLibraryForm</Display>
-  <Edit>DocumentLibraryForm</Edit>
-  <New>DocumentLibraryForm</New>
-</FormTemplates>
-</file>
-
-<file path=customXml/item2.xml><?xml version="1.0" encoding="utf-8"?>
-<p:properties xmlns:p="http://schemas.microsoft.com/office/2006/metadata/properties" xmlns:xsi="http://www.w3.org/2001/XMLSchema-instance" xmlns:pc="http://schemas.microsoft.com/office/infopath/2007/PartnerControls">
-  <documentManagement>
-    <Status xmlns="71af3243-3dd4-4a8d-8c0d-dd76da1f02a5">Not started</Status>
-    <MediaServiceKeyPoints xmlns="71af3243-3dd4-4a8d-8c0d-dd76da1f02a5" xsi:nil="true"/>
-  </documentManagement>
-</p:properties>
-</file>
-
-<file path=customXml/item3.xml><?xml version="1.0" encoding="utf-8"?>
 <ct:contentTypeSchema xmlns:ct="http://schemas.microsoft.com/office/2006/metadata/contentType" xmlns:ma="http://schemas.microsoft.com/office/2006/metadata/properties/metaAttributes" ct:_="" ma:_="" ma:contentTypeName="Document" ma:contentTypeID="0x01010079F111ED35F8CC479449609E8A0923A6" ma:contentTypeVersion="12" ma:contentTypeDescription="Create a new document." ma:contentTypeScope="" ma:versionID="a410dd7f93c95333ffa1b60ed6adedd1">
   <xsd:schema xmlns:xsd="http://www.w3.org/2001/XMLSchema" xmlns:xs="http://www.w3.org/2001/XMLSchema" xmlns:p="http://schemas.microsoft.com/office/2006/metadata/properties" xmlns:ns2="71af3243-3dd4-4a8d-8c0d-dd76da1f02a5" xmlns:ns3="16c05727-aa75-4e4a-9b5f-8a80a1165891" targetNamespace="http://schemas.microsoft.com/office/2006/metadata/properties" ma:root="true" ma:fieldsID="a936d9baba76aa3866493feff160faab" ns2:_="" ns3:_="">
     <xsd:import namespace="71af3243-3dd4-4a8d-8c0d-dd76da1f02a5"/>
@@ -6809,25 +6919,25 @@
 </ct:contentTypeSchema>
 </file>
 
-<file path=customXml/itemProps1.xml><?xml version="1.0" encoding="utf-8"?>
-<ds:datastoreItem xmlns:ds="http://schemas.openxmlformats.org/officeDocument/2006/customXml" ds:itemID="{AA3F7EDC-E5B4-4BBC-9D2A-CBE6D46C37AD}">
-  <ds:schemaRefs>
-    <ds:schemaRef ds:uri="http://schemas.microsoft.com/sharepoint/v3/contenttype/forms"/>
-  </ds:schemaRefs>
-</ds:datastoreItem>
+<file path=customXml/item2.xml><?xml version="1.0" encoding="utf-8"?>
+<p:properties xmlns:p="http://schemas.microsoft.com/office/2006/metadata/properties" xmlns:xsi="http://www.w3.org/2001/XMLSchema-instance" xmlns:pc="http://schemas.microsoft.com/office/infopath/2007/PartnerControls">
+  <documentManagement>
+    <Status xmlns="71af3243-3dd4-4a8d-8c0d-dd76da1f02a5">Not started</Status>
+    <MediaServiceKeyPoints xmlns="71af3243-3dd4-4a8d-8c0d-dd76da1f02a5" xsi:nil="true"/>
+  </documentManagement>
+</p:properties>
 </file>
 
-<file path=customXml/itemProps2.xml><?xml version="1.0" encoding="utf-8"?>
-<ds:datastoreItem xmlns:ds="http://schemas.openxmlformats.org/officeDocument/2006/customXml" ds:itemID="{A03EEFF0-FB57-4CB4-8BFC-DF397689E2ED}">
-  <ds:schemaRefs>
-    <ds:schemaRef ds:uri="http://schemas.microsoft.com/office/2006/metadata/properties"/>
-    <ds:schemaRef ds:uri="http://schemas.microsoft.com/office/infopath/2007/PartnerControls"/>
-    <ds:schemaRef ds:uri="71af3243-3dd4-4a8d-8c0d-dd76da1f02a5"/>
-  </ds:schemaRefs>
-</ds:datastoreItem>
+<file path=customXml/item3.xml><?xml version="1.0" encoding="utf-8"?>
+<?mso-contentType ?>
+<FormTemplates xmlns="http://schemas.microsoft.com/sharepoint/v3/contenttype/forms">
+  <Display>DocumentLibraryForm</Display>
+  <Edit>DocumentLibraryForm</Edit>
+  <New>DocumentLibraryForm</New>
+</FormTemplates>
 </file>
 
-<file path=customXml/itemProps3.xml><?xml version="1.0" encoding="utf-8"?>
+<file path=customXml/itemProps1.xml><?xml version="1.0" encoding="utf-8"?>
 <ds:datastoreItem xmlns:ds="http://schemas.openxmlformats.org/officeDocument/2006/customXml" ds:itemID="{93932EF5-314F-409E-8020-FEE5FA0795B9}">
   <ds:schemaRefs>
     <ds:schemaRef ds:uri="http://schemas.microsoft.com/office/2006/metadata/contentType"/>
@@ -6844,4 +6954,22 @@
     <ds:schemaRef ds:uri="http://schemas.microsoft.com/internal/obd"/>
   </ds:schemaRefs>
 </ds:datastoreItem>
+</file>
+
+<file path=customXml/itemProps2.xml><?xml version="1.0" encoding="utf-8"?>
+<ds:datastoreItem xmlns:ds="http://schemas.openxmlformats.org/officeDocument/2006/customXml" ds:itemID="{A03EEFF0-FB57-4CB4-8BFC-DF397689E2ED}">
+  <ds:schemaRefs>
+    <ds:schemaRef ds:uri="http://schemas.microsoft.com/office/2006/metadata/properties"/>
+    <ds:schemaRef ds:uri="http://schemas.microsoft.com/office/infopath/2007/PartnerControls"/>
+    <ds:schemaRef ds:uri="71af3243-3dd4-4a8d-8c0d-dd76da1f02a5"/>
+  </ds:schemaRefs>
+</ds:datastoreItem>
+</file>
+
+<file path=customXml/itemProps3.xml><?xml version="1.0" encoding="utf-8"?>
+<ds:datastoreItem xmlns:ds="http://schemas.openxmlformats.org/officeDocument/2006/customXml" ds:itemID="{AA3F7EDC-E5B4-4BBC-9D2A-CBE6D46C37AD}">
+  <ds:schemaRefs>
+    <ds:schemaRef ds:uri="http://schemas.microsoft.com/sharepoint/v3/contenttype/forms"/>
+  </ds:schemaRefs>
+</ds:datastoreItem>
 </file>
--- a/Credit Risk Capstone Project.pptx
+++ b/Credit Risk Capstone Project.pptx
@@ -6,12 +6,13 @@
   </p:sldMasterIdLst>
   <p:sldIdLst>
     <p:sldId id="298" r:id="rId5"/>
-    <p:sldId id="301" r:id="rId6"/>
-    <p:sldId id="302" r:id="rId7"/>
-    <p:sldId id="305" r:id="rId8"/>
-    <p:sldId id="304" r:id="rId9"/>
-    <p:sldId id="306" r:id="rId10"/>
-    <p:sldId id="307" r:id="rId11"/>
+    <p:sldId id="309" r:id="rId6"/>
+    <p:sldId id="310" r:id="rId7"/>
+    <p:sldId id="311" r:id="rId8"/>
+    <p:sldId id="305" r:id="rId9"/>
+    <p:sldId id="304" r:id="rId10"/>
+    <p:sldId id="306" r:id="rId11"/>
+    <p:sldId id="307" r:id="rId12"/>
   </p:sldIdLst>
   <p:sldSz cx="12192000" cy="6858000"/>
   <p:notesSz cx="6858000" cy="9144000"/>
@@ -3805,28 +3806,50 @@
           <p:cNvPr id="2" name="Title 1">
             <a:extLst>
               <a:ext uri="{FF2B5EF4-FFF2-40B4-BE49-F238E27FC236}">
-                <a16:creationId xmlns:a16="http://schemas.microsoft.com/office/drawing/2014/main" id="{15C9D768-2282-42A1-9528-E2D8389680EE}"/>
+                <a16:creationId xmlns:a16="http://schemas.microsoft.com/office/drawing/2014/main" id="{CA250D37-05C3-4DD2-AFB2-2E13030E7C4F}"/>
               </a:ext>
             </a:extLst>
           </p:cNvPr>
-          <p:cNvSpPr>
-            <a:spLocks noGrp="1"/>
+          <p:cNvSpPr txBox="1">
+            <a:spLocks/>
           </p:cNvSpPr>
-          <p:nvPr>
-            <p:ph type="title"/>
-          </p:nvPr>
+          <p:nvPr/>
         </p:nvSpPr>
         <p:spPr>
           <a:xfrm>
-            <a:off x="1136923" y="1289957"/>
-            <a:ext cx="10058400" cy="3686390"/>
+            <a:off x="1066800" y="1071842"/>
+            <a:ext cx="10058400" cy="3634382"/>
           </a:xfrm>
+          <a:prstGeom prst="rect">
+            <a:avLst/>
+          </a:prstGeom>
         </p:spPr>
         <p:txBody>
           <a:bodyPr>
-            <a:normAutofit fontScale="90000"/>
+            <a:noAutofit/>
           </a:bodyPr>
-          <a:lstStyle/>
+          <a:lstStyle>
+            <a:lvl1pPr algn="l" defTabSz="914400" rtl="0" eaLnBrk="1" latinLnBrk="0" hangingPunct="1">
+              <a:lnSpc>
+                <a:spcPct val="90000"/>
+              </a:lnSpc>
+              <a:spcBef>
+                <a:spcPct val="0"/>
+              </a:spcBef>
+              <a:buNone/>
+              <a:defRPr sz="4700" i="0" kern="1200" spc="-50" baseline="0">
+                <a:solidFill>
+                  <a:schemeClr val="tx1">
+                    <a:lumMod val="75000"/>
+                    <a:lumOff val="25000"/>
+                  </a:schemeClr>
+                </a:solidFill>
+                <a:latin typeface="+mj-lt"/>
+                <a:ea typeface="+mj-ea"/>
+                <a:cs typeface="+mj-cs"/>
+              </a:defRPr>
+            </a:lvl1pPr>
+          </a:lstStyle>
           <a:p>
             <a:pPr>
               <a:lnSpc>
@@ -3834,23 +3857,69 @@
               </a:lnSpc>
             </a:pPr>
             <a:r>
-              <a:rPr lang="en-US" sz="3400" dirty="0">
+              <a:rPr lang="en-US" sz="1800" dirty="0">
                 <a:latin typeface="Arial" panose="020B0604020202020204" pitchFamily="34" charset="0"/>
                 <a:cs typeface="Arial" panose="020B0604020202020204" pitchFamily="34" charset="0"/>
               </a:rPr>
               <a:t>This capstone project aims to use credit modeling to predict a borrower's default risk, which is targeted towards lenders to provide better visibility when deciding whether to extend a loan to the borrower or not.</a:t>
             </a:r>
-            <a:endParaRPr lang="en-SG" sz="3400" dirty="0">
+          </a:p>
+          <a:p>
+            <a:pPr>
+              <a:lnSpc>
+                <a:spcPct val="150000"/>
+              </a:lnSpc>
+            </a:pPr>
+            <a:endParaRPr lang="en-US" sz="1800" dirty="0">
               <a:latin typeface="Arial" panose="020B0604020202020204" pitchFamily="34" charset="0"/>
               <a:cs typeface="Arial" panose="020B0604020202020204" pitchFamily="34" charset="0"/>
             </a:endParaRPr>
           </a:p>
+          <a:p>
+            <a:pPr>
+              <a:lnSpc>
+                <a:spcPct val="150000"/>
+              </a:lnSpc>
+            </a:pPr>
+            <a:r>
+              <a:rPr lang="en-US" sz="1800" dirty="0">
+                <a:latin typeface="Arial" panose="020B0604020202020204" pitchFamily="34" charset="0"/>
+                <a:cs typeface="Arial" panose="020B0604020202020204" pitchFamily="34" charset="0"/>
+              </a:rPr>
+              <a:t>Model performance will be guided by F1 score. This 2007 financial lending csv data set consisted a total of 42,535 loans. It is important for lenders to decrease credit default risk as much as possible. Can we predict if a borrower will default by using loan and borrower statistics? Logistic Regression, Cross Validation and Random Forest Classifier were </a:t>
+            </a:r>
+            <a:r>
+              <a:rPr lang="en-US" sz="1800" dirty="0" err="1">
+                <a:latin typeface="Arial" panose="020B0604020202020204" pitchFamily="34" charset="0"/>
+                <a:cs typeface="Arial" panose="020B0604020202020204" pitchFamily="34" charset="0"/>
+              </a:rPr>
+              <a:t>depolyed</a:t>
+            </a:r>
+            <a:r>
+              <a:rPr lang="en-US" sz="1800" dirty="0">
+                <a:latin typeface="Arial" panose="020B0604020202020204" pitchFamily="34" charset="0"/>
+                <a:cs typeface="Arial" panose="020B0604020202020204" pitchFamily="34" charset="0"/>
+              </a:rPr>
+              <a:t> to answer this issue.</a:t>
+            </a:r>
+          </a:p>
+          <a:p>
+            <a:pPr>
+              <a:lnSpc>
+                <a:spcPct val="150000"/>
+              </a:lnSpc>
+            </a:pPr>
+            <a:endParaRPr lang="en-SG" sz="1800" dirty="0">
+              <a:latin typeface="Arial" panose="020B0604020202020204" pitchFamily="34" charset="0"/>
+              <a:cs typeface="Arial" panose="020B0604020202020204" pitchFamily="34" charset="0"/>
+            </a:endParaRPr>
+          </a:p>
         </p:txBody>
       </p:sp>
     </p:spTree>
     <p:extLst>
       <p:ext uri="{BB962C8B-B14F-4D97-AF65-F5344CB8AC3E}">
-        <p14:creationId xmlns:p14="http://schemas.microsoft.com/office/powerpoint/2010/main" val="1191006464"/>
+        <p14:creationId xmlns:p14="http://schemas.microsoft.com/office/powerpoint/2010/main" val="3355604264"/>
       </p:ext>
     </p:extLst>
   </p:cSld>
@@ -3882,28 +3951,50 @@
           <p:cNvPr id="2" name="Title 1">
             <a:extLst>
               <a:ext uri="{FF2B5EF4-FFF2-40B4-BE49-F238E27FC236}">
-                <a16:creationId xmlns:a16="http://schemas.microsoft.com/office/drawing/2014/main" id="{F5C3480E-9B3C-4267-A825-C519DD706722}"/>
+                <a16:creationId xmlns:a16="http://schemas.microsoft.com/office/drawing/2014/main" id="{37AA7741-AA72-4105-8C5F-824DE4B7E78A}"/>
               </a:ext>
             </a:extLst>
           </p:cNvPr>
-          <p:cNvSpPr>
-            <a:spLocks noGrp="1"/>
+          <p:cNvSpPr txBox="1">
+            <a:spLocks/>
           </p:cNvSpPr>
-          <p:nvPr>
-            <p:ph type="ctrTitle"/>
-          </p:nvPr>
+          <p:nvPr/>
         </p:nvSpPr>
         <p:spPr>
           <a:xfrm>
-            <a:off x="1200150" y="244929"/>
-            <a:ext cx="9991708" cy="4790113"/>
+            <a:off x="1066800" y="747997"/>
+            <a:ext cx="10058400" cy="4763570"/>
           </a:xfrm>
+          <a:prstGeom prst="rect">
+            <a:avLst/>
+          </a:prstGeom>
         </p:spPr>
         <p:txBody>
           <a:bodyPr>
-            <a:normAutofit/>
+            <a:noAutofit/>
           </a:bodyPr>
-          <a:lstStyle/>
+          <a:lstStyle>
+            <a:lvl1pPr algn="l" defTabSz="914400" rtl="0" eaLnBrk="1" latinLnBrk="0" hangingPunct="1">
+              <a:lnSpc>
+                <a:spcPct val="90000"/>
+              </a:lnSpc>
+              <a:spcBef>
+                <a:spcPct val="0"/>
+              </a:spcBef>
+              <a:buNone/>
+              <a:defRPr sz="4700" i="0" kern="1200" spc="-50" baseline="0">
+                <a:solidFill>
+                  <a:schemeClr val="tx1">
+                    <a:lumMod val="75000"/>
+                    <a:lumOff val="25000"/>
+                  </a:schemeClr>
+                </a:solidFill>
+                <a:latin typeface="+mj-lt"/>
+                <a:ea typeface="+mj-ea"/>
+                <a:cs typeface="+mj-cs"/>
+              </a:defRPr>
+            </a:lvl1pPr>
+          </a:lstStyle>
           <a:p>
             <a:pPr>
               <a:lnSpc>
@@ -3911,148 +4002,150 @@
               </a:lnSpc>
             </a:pPr>
             <a:r>
-              <a:rPr lang="en-US" sz="1600" dirty="0">
+              <a:rPr lang="en-US" sz="1800" dirty="0">
                 <a:latin typeface="Arial" panose="020B0604020202020204" pitchFamily="34" charset="0"/>
                 <a:cs typeface="Arial" panose="020B0604020202020204" pitchFamily="34" charset="0"/>
               </a:rPr>
-              <a:t>1.What will you actually be doing? Using Machine Learning to model credit default risk.</a:t>
+              <a:t>Many Americans will need to borrow money at some point in their lives, whether to pay for school, a car or a home. Unfortunately, not everyone pays back their loans. Defaulting on a loan is detrimental to both borrowers and lenders. In efforts to curtail this activity, I developed a model that aimed to outperform the existing process </a:t>
+            </a:r>
+            <a:r>
+              <a:rPr lang="en-US" sz="1800" dirty="0" err="1">
+                <a:latin typeface="Arial" panose="020B0604020202020204" pitchFamily="34" charset="0"/>
+                <a:cs typeface="Arial" panose="020B0604020202020204" pitchFamily="34" charset="0"/>
+              </a:rPr>
+              <a:t>LendingClub</a:t>
+            </a:r>
+            <a:r>
+              <a:rPr lang="en-US" sz="1800" dirty="0">
+                <a:latin typeface="Arial" panose="020B0604020202020204" pitchFamily="34" charset="0"/>
+                <a:cs typeface="Arial" panose="020B0604020202020204" pitchFamily="34" charset="0"/>
+              </a:rPr>
+              <a:t> uses to approve loans.</a:t>
             </a:r>
             <a:br>
-              <a:rPr lang="en-US" sz="1600" dirty="0">
+              <a:rPr lang="en-US" sz="1800" dirty="0">
                 <a:latin typeface="Arial" panose="020B0604020202020204" pitchFamily="34" charset="0"/>
                 <a:cs typeface="Arial" panose="020B0604020202020204" pitchFamily="34" charset="0"/>
               </a:rPr>
             </a:br>
             <a:r>
-              <a:rPr lang="en-US" sz="1600" dirty="0">
+              <a:rPr lang="en-US" sz="1800" dirty="0">
                 <a:latin typeface="Arial" panose="020B0604020202020204" pitchFamily="34" charset="0"/>
                 <a:cs typeface="Arial" panose="020B0604020202020204" pitchFamily="34" charset="0"/>
               </a:rPr>
-              <a:t>2.Who is your audience? Management of credit institutions.</a:t>
-            </a:r>
-            <a:br>
-              <a:rPr lang="en-US" sz="1600" dirty="0">
+              <a:t>Some of the consequences from defaulting on loans include:</a:t>
+            </a:r>
+          </a:p>
+          <a:p>
+            <a:pPr>
+              <a:lnSpc>
+                <a:spcPct val="150000"/>
+              </a:lnSpc>
+            </a:pPr>
+            <a:endParaRPr lang="en-US" sz="1800" dirty="0">
+              <a:latin typeface="Arial" panose="020B0604020202020204" pitchFamily="34" charset="0"/>
+              <a:cs typeface="Arial" panose="020B0604020202020204" pitchFamily="34" charset="0"/>
+            </a:endParaRPr>
+          </a:p>
+          <a:p>
+            <a:pPr>
+              <a:lnSpc>
+                <a:spcPct val="150000"/>
+              </a:lnSpc>
+            </a:pPr>
+            <a:r>
+              <a:rPr lang="en-US" sz="1800" dirty="0">
                 <a:latin typeface="Arial" panose="020B0604020202020204" pitchFamily="34" charset="0"/>
                 <a:cs typeface="Arial" panose="020B0604020202020204" pitchFamily="34" charset="0"/>
               </a:rPr>
-            </a:br>
-            <a:r>
-              <a:rPr lang="en-US" sz="1600" dirty="0">
+              <a:t>1.Severe damage to credit report</a:t>
+            </a:r>
+          </a:p>
+          <a:p>
+            <a:pPr>
+              <a:lnSpc>
+                <a:spcPct val="150000"/>
+              </a:lnSpc>
+            </a:pPr>
+            <a:r>
+              <a:rPr lang="en-US" sz="1800" dirty="0">
                 <a:latin typeface="Arial" panose="020B0604020202020204" pitchFamily="34" charset="0"/>
                 <a:cs typeface="Arial" panose="020B0604020202020204" pitchFamily="34" charset="0"/>
               </a:rPr>
-              <a:t>3.Why will they care? To improve their business bottom line by reducing loan default rates.</a:t>
-            </a:r>
-            <a:br>
-              <a:rPr lang="en-US" sz="1600" dirty="0">
+              <a:t>2.Seizure of assets like home, car, or bank accounts</a:t>
+            </a:r>
+          </a:p>
+          <a:p>
+            <a:pPr>
+              <a:lnSpc>
+                <a:spcPct val="150000"/>
+              </a:lnSpc>
+            </a:pPr>
+            <a:r>
+              <a:rPr lang="en-US" sz="1800" dirty="0">
                 <a:latin typeface="Arial" panose="020B0604020202020204" pitchFamily="34" charset="0"/>
                 <a:cs typeface="Arial" panose="020B0604020202020204" pitchFamily="34" charset="0"/>
               </a:rPr>
-            </a:br>
-            <a:r>
-              <a:rPr lang="en-US" sz="1600" dirty="0">
+              <a:t>3.Cancellation, revocation or non-renewal of professional licenses</a:t>
+            </a:r>
+          </a:p>
+          <a:p>
+            <a:pPr>
+              <a:lnSpc>
+                <a:spcPct val="150000"/>
+              </a:lnSpc>
+            </a:pPr>
+            <a:r>
+              <a:rPr lang="en-US" sz="1800" dirty="0">
                 <a:latin typeface="Arial" panose="020B0604020202020204" pitchFamily="34" charset="0"/>
                 <a:cs typeface="Arial" panose="020B0604020202020204" pitchFamily="34" charset="0"/>
               </a:rPr>
-              <a:t>4.What is your success metric? Model performance will be guided by f1 score.</a:t>
-            </a:r>
-            <a:br>
-              <a:rPr lang="en-US" sz="1600" dirty="0">
+              <a:t>4.Withholding of state and federal tax refunds</a:t>
+            </a:r>
+          </a:p>
+          <a:p>
+            <a:pPr>
+              <a:lnSpc>
+                <a:spcPct val="150000"/>
+              </a:lnSpc>
+            </a:pPr>
+            <a:r>
+              <a:rPr lang="en-US" sz="1800" dirty="0">
                 <a:latin typeface="Arial" panose="020B0604020202020204" pitchFamily="34" charset="0"/>
                 <a:cs typeface="Arial" panose="020B0604020202020204" pitchFamily="34" charset="0"/>
               </a:rPr>
-            </a:br>
-            <a:r>
-              <a:rPr lang="en-US" sz="1600" dirty="0">
-                <a:latin typeface="Arial" panose="020B0604020202020204" pitchFamily="34" charset="0"/>
-                <a:cs typeface="Arial" panose="020B0604020202020204" pitchFamily="34" charset="0"/>
-              </a:rPr>
-              <a:t>5.How will you know if you are actually solving the problem in a useful way? By lowering default rates.</a:t>
-            </a:r>
-            <a:br>
-              <a:rPr lang="en-US" sz="1600" dirty="0">
-                <a:latin typeface="Arial" panose="020B0604020202020204" pitchFamily="34" charset="0"/>
-                <a:cs typeface="Arial" panose="020B0604020202020204" pitchFamily="34" charset="0"/>
-              </a:rPr>
-            </a:br>
-            <a:r>
-              <a:rPr lang="en-US" sz="1600" dirty="0">
-                <a:latin typeface="Arial" panose="020B0604020202020204" pitchFamily="34" charset="0"/>
-                <a:cs typeface="Arial" panose="020B0604020202020204" pitchFamily="34" charset="0"/>
-              </a:rPr>
-              <a:t>6.What is your data source? From </a:t>
-            </a:r>
-            <a:r>
-              <a:rPr lang="en-US" sz="1600" u="sng" dirty="0">
-                <a:latin typeface="Arial" panose="020B0604020202020204" pitchFamily="34" charset="0"/>
-                <a:cs typeface="Arial" panose="020B0604020202020204" pitchFamily="34" charset="0"/>
-                <a:hlinkClick r:id="rId2"/>
-              </a:rPr>
-              <a:t>https://www.lendingclub.com/</a:t>
-            </a:r>
-            <a:br>
-              <a:rPr lang="en-US" sz="1600" dirty="0">
-                <a:latin typeface="Arial" panose="020B0604020202020204" pitchFamily="34" charset="0"/>
-                <a:cs typeface="Arial" panose="020B0604020202020204" pitchFamily="34" charset="0"/>
-              </a:rPr>
-            </a:br>
-            <a:r>
-              <a:rPr lang="en-US" sz="1600" dirty="0">
-                <a:latin typeface="Arial" panose="020B0604020202020204" pitchFamily="34" charset="0"/>
-                <a:cs typeface="Arial" panose="020B0604020202020204" pitchFamily="34" charset="0"/>
-              </a:rPr>
-              <a:t>7.What format is your data in? Year 2007 with format in csv.</a:t>
-            </a:r>
-            <a:br>
-              <a:rPr lang="en-US" sz="1600" dirty="0">
-                <a:latin typeface="Arial" panose="020B0604020202020204" pitchFamily="34" charset="0"/>
-                <a:cs typeface="Arial" panose="020B0604020202020204" pitchFamily="34" charset="0"/>
-              </a:rPr>
-            </a:br>
-            <a:r>
-              <a:rPr lang="en-US" sz="1600" dirty="0">
-                <a:latin typeface="Arial" panose="020B0604020202020204" pitchFamily="34" charset="0"/>
-                <a:cs typeface="Arial" panose="020B0604020202020204" pitchFamily="34" charset="0"/>
-              </a:rPr>
-              <a:t>8.How much cleaning and munging will be required? Moderate and not excessive.</a:t>
-            </a:r>
-            <a:br>
-              <a:rPr lang="en-US" sz="1600" dirty="0">
-                <a:latin typeface="Arial" panose="020B0604020202020204" pitchFamily="34" charset="0"/>
-                <a:cs typeface="Arial" panose="020B0604020202020204" pitchFamily="34" charset="0"/>
-              </a:rPr>
-            </a:br>
-            <a:r>
-              <a:rPr lang="en-US" sz="1600" dirty="0">
-                <a:latin typeface="Arial" panose="020B0604020202020204" pitchFamily="34" charset="0"/>
-                <a:cs typeface="Arial" panose="020B0604020202020204" pitchFamily="34" charset="0"/>
-              </a:rPr>
-              <a:t>9.What are potential challenges or obstacles and how will you mitigate them? The data is more than a decade old, this can be mitigated by using more recent data set in subsequent modeling.</a:t>
-            </a:r>
-            <a:br>
-              <a:rPr lang="en-US" sz="1600" dirty="0">
-                <a:latin typeface="Arial" panose="020B0604020202020204" pitchFamily="34" charset="0"/>
-                <a:cs typeface="Arial" panose="020B0604020202020204" pitchFamily="34" charset="0"/>
-              </a:rPr>
-            </a:br>
-            <a:r>
-              <a:rPr lang="en-US" sz="1600" dirty="0">
-                <a:latin typeface="Arial" panose="020B0604020202020204" pitchFamily="34" charset="0"/>
-                <a:cs typeface="Arial" panose="020B0604020202020204" pitchFamily="34" charset="0"/>
-              </a:rPr>
-              <a:t>10.Is this a reasonable project given the time constraints that you have? Yes, it’s reasonable and achievable.</a:t>
-            </a:r>
-            <a:br>
-              <a:rPr lang="en-US" dirty="0"/>
-            </a:br>
-            <a:endParaRPr lang="en-SG" sz="2800" dirty="0"/>
+              <a:t>5.Lenders will lose some or all of their investments</a:t>
+            </a:r>
+          </a:p>
+          <a:p>
+            <a:pPr>
+              <a:lnSpc>
+                <a:spcPct val="150000"/>
+              </a:lnSpc>
+            </a:pPr>
+            <a:endParaRPr lang="en-US" sz="1800" dirty="0">
+              <a:latin typeface="Arial" panose="020B0604020202020204" pitchFamily="34" charset="0"/>
+              <a:cs typeface="Arial" panose="020B0604020202020204" pitchFamily="34" charset="0"/>
+            </a:endParaRPr>
+          </a:p>
+          <a:p>
+            <a:endParaRPr lang="en-US" sz="1800" dirty="0">
+              <a:latin typeface="Arial" panose="020B0604020202020204" pitchFamily="34" charset="0"/>
+              <a:cs typeface="Arial" panose="020B0604020202020204" pitchFamily="34" charset="0"/>
+            </a:endParaRPr>
+          </a:p>
+          <a:p>
+            <a:endParaRPr lang="en-SG" sz="1800" dirty="0">
+              <a:latin typeface="Arial" panose="020B0604020202020204" pitchFamily="34" charset="0"/>
+              <a:cs typeface="Arial" panose="020B0604020202020204" pitchFamily="34" charset="0"/>
+            </a:endParaRPr>
           </a:p>
         </p:txBody>
       </p:sp>
     </p:spTree>
     <p:extLst>
       <p:ext uri="{BB962C8B-B14F-4D97-AF65-F5344CB8AC3E}">
-        <p14:creationId xmlns:p14="http://schemas.microsoft.com/office/powerpoint/2010/main" val="868414393"/>
+        <p14:creationId xmlns:p14="http://schemas.microsoft.com/office/powerpoint/2010/main" val="1859979060"/>
       </p:ext>
     </p:extLst>
   </p:cSld>
@@ -4063,6 +4156,204 @@
 </file>
 
 <file path=ppt/slides/slide4.xml><?xml version="1.0" encoding="utf-8"?>
+<p:sld xmlns:a="http://schemas.openxmlformats.org/drawingml/2006/main" xmlns:r="http://schemas.openxmlformats.org/officeDocument/2006/relationships" xmlns:p="http://schemas.openxmlformats.org/presentationml/2006/main">
+  <p:cSld>
+    <p:spTree>
+      <p:nvGrpSpPr>
+        <p:cNvPr id="1" name=""/>
+        <p:cNvGrpSpPr/>
+        <p:nvPr/>
+      </p:nvGrpSpPr>
+      <p:grpSpPr>
+        <a:xfrm>
+          <a:off x="0" y="0"/>
+          <a:ext cx="0" cy="0"/>
+          <a:chOff x="0" y="0"/>
+          <a:chExt cx="0" cy="0"/>
+        </a:xfrm>
+      </p:grpSpPr>
+      <p:sp>
+        <p:nvSpPr>
+          <p:cNvPr id="2" name="Title 1">
+            <a:extLst>
+              <a:ext uri="{FF2B5EF4-FFF2-40B4-BE49-F238E27FC236}">
+                <a16:creationId xmlns:a16="http://schemas.microsoft.com/office/drawing/2014/main" id="{9A654D23-D4B5-4DF5-99BC-290FAC349F64}"/>
+              </a:ext>
+            </a:extLst>
+          </p:cNvPr>
+          <p:cNvSpPr txBox="1">
+            <a:spLocks/>
+          </p:cNvSpPr>
+          <p:nvPr/>
+        </p:nvSpPr>
+        <p:spPr>
+          <a:xfrm>
+            <a:off x="974311" y="774859"/>
+            <a:ext cx="9991708" cy="4572748"/>
+          </a:xfrm>
+          <a:prstGeom prst="rect">
+            <a:avLst/>
+          </a:prstGeom>
+        </p:spPr>
+        <p:txBody>
+          <a:bodyPr>
+            <a:noAutofit/>
+          </a:bodyPr>
+          <a:lstStyle>
+            <a:lvl1pPr algn="l" defTabSz="914400" rtl="0" eaLnBrk="1" latinLnBrk="0" hangingPunct="1">
+              <a:lnSpc>
+                <a:spcPct val="90000"/>
+              </a:lnSpc>
+              <a:spcBef>
+                <a:spcPct val="0"/>
+              </a:spcBef>
+              <a:buNone/>
+              <a:defRPr sz="4700" i="0" kern="1200" spc="-50" baseline="0">
+                <a:solidFill>
+                  <a:schemeClr val="tx1">
+                    <a:lumMod val="75000"/>
+                    <a:lumOff val="25000"/>
+                  </a:schemeClr>
+                </a:solidFill>
+                <a:latin typeface="+mj-lt"/>
+                <a:ea typeface="+mj-ea"/>
+                <a:cs typeface="+mj-cs"/>
+              </a:defRPr>
+            </a:lvl1pPr>
+          </a:lstStyle>
+          <a:p>
+            <a:pPr>
+              <a:lnSpc>
+                <a:spcPct val="150000"/>
+              </a:lnSpc>
+            </a:pPr>
+            <a:r>
+              <a:rPr lang="en-US" sz="1800" dirty="0">
+                <a:latin typeface="Arial" panose="020B0604020202020204" pitchFamily="34" charset="0"/>
+                <a:cs typeface="Arial" panose="020B0604020202020204" pitchFamily="34" charset="0"/>
+              </a:rPr>
+              <a:t>1.Who is your audience? Management of credit institutions.</a:t>
+            </a:r>
+            <a:br>
+              <a:rPr lang="en-US" sz="1800" dirty="0">
+                <a:latin typeface="Arial" panose="020B0604020202020204" pitchFamily="34" charset="0"/>
+                <a:cs typeface="Arial" panose="020B0604020202020204" pitchFamily="34" charset="0"/>
+              </a:rPr>
+            </a:br>
+            <a:r>
+              <a:rPr lang="en-US" sz="1800" dirty="0">
+                <a:latin typeface="Arial" panose="020B0604020202020204" pitchFamily="34" charset="0"/>
+                <a:cs typeface="Arial" panose="020B0604020202020204" pitchFamily="34" charset="0"/>
+              </a:rPr>
+              <a:t>2.Why will they care? To improve their business bottom line by reducing loan default rates.</a:t>
+            </a:r>
+            <a:br>
+              <a:rPr lang="en-US" sz="1800" dirty="0">
+                <a:latin typeface="Arial" panose="020B0604020202020204" pitchFamily="34" charset="0"/>
+                <a:cs typeface="Arial" panose="020B0604020202020204" pitchFamily="34" charset="0"/>
+              </a:rPr>
+            </a:br>
+            <a:r>
+              <a:rPr lang="en-US" sz="1800" dirty="0">
+                <a:latin typeface="Arial" panose="020B0604020202020204" pitchFamily="34" charset="0"/>
+                <a:cs typeface="Arial" panose="020B0604020202020204" pitchFamily="34" charset="0"/>
+              </a:rPr>
+              <a:t>3.How will you know if you are actually solving the problem in a useful way? By lowering default rates.</a:t>
+            </a:r>
+            <a:br>
+              <a:rPr lang="en-US" sz="1800" dirty="0">
+                <a:latin typeface="Arial" panose="020B0604020202020204" pitchFamily="34" charset="0"/>
+                <a:cs typeface="Arial" panose="020B0604020202020204" pitchFamily="34" charset="0"/>
+              </a:rPr>
+            </a:br>
+            <a:r>
+              <a:rPr lang="en-US" sz="1800" dirty="0">
+                <a:latin typeface="Arial" panose="020B0604020202020204" pitchFamily="34" charset="0"/>
+                <a:cs typeface="Arial" panose="020B0604020202020204" pitchFamily="34" charset="0"/>
+              </a:rPr>
+              <a:t>4.What is your data source? From </a:t>
+            </a:r>
+            <a:r>
+              <a:rPr lang="en-US" sz="1800" u="sng" dirty="0">
+                <a:latin typeface="Arial" panose="020B0604020202020204" pitchFamily="34" charset="0"/>
+                <a:cs typeface="Arial" panose="020B0604020202020204" pitchFamily="34" charset="0"/>
+                <a:hlinkClick r:id="rId2"/>
+              </a:rPr>
+              <a:t>https://www.lendingclub.com/</a:t>
+            </a:r>
+            <a:br>
+              <a:rPr lang="en-US" sz="1800" dirty="0">
+                <a:latin typeface="Arial" panose="020B0604020202020204" pitchFamily="34" charset="0"/>
+                <a:cs typeface="Arial" panose="020B0604020202020204" pitchFamily="34" charset="0"/>
+              </a:rPr>
+            </a:br>
+            <a:r>
+              <a:rPr lang="en-US" sz="1800" dirty="0">
+                <a:latin typeface="Arial" panose="020B0604020202020204" pitchFamily="34" charset="0"/>
+                <a:cs typeface="Arial" panose="020B0604020202020204" pitchFamily="34" charset="0"/>
+              </a:rPr>
+              <a:t>5.What format is your data in? Year 2007 with format in csv.</a:t>
+            </a:r>
+            <a:br>
+              <a:rPr lang="en-US" sz="1800" dirty="0">
+                <a:latin typeface="Arial" panose="020B0604020202020204" pitchFamily="34" charset="0"/>
+                <a:cs typeface="Arial" panose="020B0604020202020204" pitchFamily="34" charset="0"/>
+              </a:rPr>
+            </a:br>
+            <a:r>
+              <a:rPr lang="en-US" sz="1800" dirty="0">
+                <a:latin typeface="Arial" panose="020B0604020202020204" pitchFamily="34" charset="0"/>
+                <a:cs typeface="Arial" panose="020B0604020202020204" pitchFamily="34" charset="0"/>
+              </a:rPr>
+              <a:t>6.How much cleaning and munging will be required? Moderate and not excessive.</a:t>
+            </a:r>
+            <a:br>
+              <a:rPr lang="en-US" sz="1800" dirty="0">
+                <a:latin typeface="Arial" panose="020B0604020202020204" pitchFamily="34" charset="0"/>
+                <a:cs typeface="Arial" panose="020B0604020202020204" pitchFamily="34" charset="0"/>
+              </a:rPr>
+            </a:br>
+            <a:r>
+              <a:rPr lang="en-US" sz="1800" dirty="0">
+                <a:latin typeface="Arial" panose="020B0604020202020204" pitchFamily="34" charset="0"/>
+                <a:cs typeface="Arial" panose="020B0604020202020204" pitchFamily="34" charset="0"/>
+              </a:rPr>
+              <a:t>7.What are potential challenges or obstacles and how will you mitigate them? The data is more than a decade old, this can be mitigated by using more recent data set in subsequent modeling.</a:t>
+            </a:r>
+            <a:br>
+              <a:rPr lang="en-US" sz="1800" dirty="0">
+                <a:latin typeface="Arial" panose="020B0604020202020204" pitchFamily="34" charset="0"/>
+                <a:cs typeface="Arial" panose="020B0604020202020204" pitchFamily="34" charset="0"/>
+              </a:rPr>
+            </a:br>
+            <a:r>
+              <a:rPr lang="en-US" sz="1800" dirty="0">
+                <a:latin typeface="Arial" panose="020B0604020202020204" pitchFamily="34" charset="0"/>
+                <a:cs typeface="Arial" panose="020B0604020202020204" pitchFamily="34" charset="0"/>
+              </a:rPr>
+              <a:t>8.Is this a reasonable project given the time constraints that you have? Yes, it’s reasonable and achievable.</a:t>
+            </a:r>
+            <a:br>
+              <a:rPr lang="en-US" sz="1800" dirty="0"/>
+            </a:br>
+            <a:endParaRPr lang="en-SG" sz="1800" dirty="0"/>
+          </a:p>
+        </p:txBody>
+      </p:sp>
+    </p:spTree>
+    <p:extLst>
+      <p:ext uri="{BB962C8B-B14F-4D97-AF65-F5344CB8AC3E}">
+        <p14:creationId xmlns:p14="http://schemas.microsoft.com/office/powerpoint/2010/main" val="1244752048"/>
+      </p:ext>
+    </p:extLst>
+  </p:cSld>
+  <p:clrMapOvr>
+    <a:masterClrMapping/>
+  </p:clrMapOvr>
+</p:sld>
+</file>
+
+<file path=ppt/slides/slide5.xml><?xml version="1.0" encoding="utf-8"?>
 <p:sld xmlns:a="http://schemas.openxmlformats.org/drawingml/2006/main" xmlns:r="http://schemas.openxmlformats.org/officeDocument/2006/relationships" xmlns:p="http://schemas.openxmlformats.org/presentationml/2006/main">
   <p:cSld>
     <p:spTree>
@@ -4998,7 +5289,7 @@
 </p:sld>
 </file>
 
-<file path=ppt/slides/slide5.xml><?xml version="1.0" encoding="utf-8"?>
+<file path=ppt/slides/slide6.xml><?xml version="1.0" encoding="utf-8"?>
 <p:sld xmlns:a="http://schemas.openxmlformats.org/drawingml/2006/main" xmlns:r="http://schemas.openxmlformats.org/officeDocument/2006/relationships" xmlns:p="http://schemas.openxmlformats.org/presentationml/2006/main">
   <p:cSld>
     <p:spTree>
@@ -5592,7 +5883,7 @@
 </p:sld>
 </file>
 
-<file path=ppt/slides/slide6.xml><?xml version="1.0" encoding="utf-8"?>
+<file path=ppt/slides/slide7.xml><?xml version="1.0" encoding="utf-8"?>
 <p:sld xmlns:a="http://schemas.openxmlformats.org/drawingml/2006/main" xmlns:r="http://schemas.openxmlformats.org/officeDocument/2006/relationships" xmlns:p="http://schemas.openxmlformats.org/presentationml/2006/main">
   <p:cSld>
     <p:spTree>
@@ -6176,7 +6467,7 @@
 </p:sld>
 </file>
 
-<file path=ppt/slides/slide7.xml><?xml version="1.0" encoding="utf-8"?>
+<file path=ppt/slides/slide8.xml><?xml version="1.0" encoding="utf-8"?>
 <p:sld xmlns:a="http://schemas.openxmlformats.org/drawingml/2006/main" xmlns:r="http://schemas.openxmlformats.org/officeDocument/2006/relationships" xmlns:p="http://schemas.openxmlformats.org/presentationml/2006/main">
   <p:cSld>
     <p:spTree>
@@ -6699,6 +6990,24 @@
 </file>
 
 <file path=customXml/item1.xml><?xml version="1.0" encoding="utf-8"?>
+<?mso-contentType ?>
+<FormTemplates xmlns="http://schemas.microsoft.com/sharepoint/v3/contenttype/forms">
+  <Display>DocumentLibraryForm</Display>
+  <Edit>DocumentLibraryForm</Edit>
+  <New>DocumentLibraryForm</New>
+</FormTemplates>
+</file>
+
+<file path=customXml/item2.xml><?xml version="1.0" encoding="utf-8"?>
+<p:properties xmlns:p="http://schemas.microsoft.com/office/2006/metadata/properties" xmlns:xsi="http://www.w3.org/2001/XMLSchema-instance" xmlns:pc="http://schemas.microsoft.com/office/infopath/2007/PartnerControls">
+  <documentManagement>
+    <Status xmlns="71af3243-3dd4-4a8d-8c0d-dd76da1f02a5">Not started</Status>
+    <MediaServiceKeyPoints xmlns="71af3243-3dd4-4a8d-8c0d-dd76da1f02a5" xsi:nil="true"/>
+  </documentManagement>
+</p:properties>
+</file>
+
+<file path=customXml/item3.xml><?xml version="1.0" encoding="utf-8"?>
 <ct:contentTypeSchema xmlns:ct="http://schemas.microsoft.com/office/2006/metadata/contentType" xmlns:ma="http://schemas.microsoft.com/office/2006/metadata/properties/metaAttributes" ct:_="" ma:_="" ma:contentTypeName="Document" ma:contentTypeID="0x01010079F111ED35F8CC479449609E8A0923A6" ma:contentTypeVersion="12" ma:contentTypeDescription="Create a new document." ma:contentTypeScope="" ma:versionID="a410dd7f93c95333ffa1b60ed6adedd1">
   <xsd:schema xmlns:xsd="http://www.w3.org/2001/XMLSchema" xmlns:xs="http://www.w3.org/2001/XMLSchema" xmlns:p="http://schemas.microsoft.com/office/2006/metadata/properties" xmlns:ns2="71af3243-3dd4-4a8d-8c0d-dd76da1f02a5" xmlns:ns3="16c05727-aa75-4e4a-9b5f-8a80a1165891" targetNamespace="http://schemas.microsoft.com/office/2006/metadata/properties" ma:root="true" ma:fieldsID="a936d9baba76aa3866493feff160faab" ns2:_="" ns3:_="">
     <xsd:import namespace="71af3243-3dd4-4a8d-8c0d-dd76da1f02a5"/>
@@ -6919,25 +7228,25 @@
 </ct:contentTypeSchema>
 </file>
 
-<file path=customXml/item2.xml><?xml version="1.0" encoding="utf-8"?>
-<p:properties xmlns:p="http://schemas.microsoft.com/office/2006/metadata/properties" xmlns:xsi="http://www.w3.org/2001/XMLSchema-instance" xmlns:pc="http://schemas.microsoft.com/office/infopath/2007/PartnerControls">
-  <documentManagement>
-    <Status xmlns="71af3243-3dd4-4a8d-8c0d-dd76da1f02a5">Not started</Status>
-    <MediaServiceKeyPoints xmlns="71af3243-3dd4-4a8d-8c0d-dd76da1f02a5" xsi:nil="true"/>
-  </documentManagement>
-</p:properties>
+<file path=customXml/itemProps1.xml><?xml version="1.0" encoding="utf-8"?>
+<ds:datastoreItem xmlns:ds="http://schemas.openxmlformats.org/officeDocument/2006/customXml" ds:itemID="{AA3F7EDC-E5B4-4BBC-9D2A-CBE6D46C37AD}">
+  <ds:schemaRefs>
+    <ds:schemaRef ds:uri="http://schemas.microsoft.com/sharepoint/v3/contenttype/forms"/>
+  </ds:schemaRefs>
+</ds:datastoreItem>
 </file>
 
-<file path=customXml/item3.xml><?xml version="1.0" encoding="utf-8"?>
-<?mso-contentType ?>
-<FormTemplates xmlns="http://schemas.microsoft.com/sharepoint/v3/contenttype/forms">
-  <Display>DocumentLibraryForm</Display>
-  <Edit>DocumentLibraryForm</Edit>
-  <New>DocumentLibraryForm</New>
-</FormTemplates>
+<file path=customXml/itemProps2.xml><?xml version="1.0" encoding="utf-8"?>
+<ds:datastoreItem xmlns:ds="http://schemas.openxmlformats.org/officeDocument/2006/customXml" ds:itemID="{A03EEFF0-FB57-4CB4-8BFC-DF397689E2ED}">
+  <ds:schemaRefs>
+    <ds:schemaRef ds:uri="http://schemas.microsoft.com/office/2006/metadata/properties"/>
+    <ds:schemaRef ds:uri="http://schemas.microsoft.com/office/infopath/2007/PartnerControls"/>
+    <ds:schemaRef ds:uri="71af3243-3dd4-4a8d-8c0d-dd76da1f02a5"/>
+  </ds:schemaRefs>
+</ds:datastoreItem>
 </file>
 
-<file path=customXml/itemProps1.xml><?xml version="1.0" encoding="utf-8"?>
+<file path=customXml/itemProps3.xml><?xml version="1.0" encoding="utf-8"?>
 <ds:datastoreItem xmlns:ds="http://schemas.openxmlformats.org/officeDocument/2006/customXml" ds:itemID="{93932EF5-314F-409E-8020-FEE5FA0795B9}">
   <ds:schemaRefs>
     <ds:schemaRef ds:uri="http://schemas.microsoft.com/office/2006/metadata/contentType"/>
@@ -6954,22 +7263,4 @@
     <ds:schemaRef ds:uri="http://schemas.microsoft.com/internal/obd"/>
   </ds:schemaRefs>
 </ds:datastoreItem>
-</file>
-
-<file path=customXml/itemProps2.xml><?xml version="1.0" encoding="utf-8"?>
-<ds:datastoreItem xmlns:ds="http://schemas.openxmlformats.org/officeDocument/2006/customXml" ds:itemID="{A03EEFF0-FB57-4CB4-8BFC-DF397689E2ED}">
-  <ds:schemaRefs>
-    <ds:schemaRef ds:uri="http://schemas.microsoft.com/office/2006/metadata/properties"/>
-    <ds:schemaRef ds:uri="http://schemas.microsoft.com/office/infopath/2007/PartnerControls"/>
-    <ds:schemaRef ds:uri="71af3243-3dd4-4a8d-8c0d-dd76da1f02a5"/>
-  </ds:schemaRefs>
-</ds:datastoreItem>
-</file>
-
-<file path=customXml/itemProps3.xml><?xml version="1.0" encoding="utf-8"?>
-<ds:datastoreItem xmlns:ds="http://schemas.openxmlformats.org/officeDocument/2006/customXml" ds:itemID="{AA3F7EDC-E5B4-4BBC-9D2A-CBE6D46C37AD}">
-  <ds:schemaRefs>
-    <ds:schemaRef ds:uri="http://schemas.microsoft.com/sharepoint/v3/contenttype/forms"/>
-  </ds:schemaRefs>
-</ds:datastoreItem>
 </file>
--- a/Credit Risk Capstone Project.pptx
+++ b/Credit Risk Capstone Project.pptx
@@ -4054,12 +4054,16 @@
               </a:lnSpc>
             </a:pPr>
             <a:r>
-              <a:rPr lang="en-US" sz="1800" dirty="0">
+              <a:rPr lang="en-US" sz="1800">
                 <a:latin typeface="Arial" panose="020B0604020202020204" pitchFamily="34" charset="0"/>
                 <a:cs typeface="Arial" panose="020B0604020202020204" pitchFamily="34" charset="0"/>
               </a:rPr>
-              <a:t>1.Severe damage to credit report</a:t>
-            </a:r>
+              <a:t>1.Lower credit score</a:t>
+            </a:r>
+            <a:endParaRPr lang="en-US" sz="1800" dirty="0">
+              <a:latin typeface="Arial" panose="020B0604020202020204" pitchFamily="34" charset="0"/>
+              <a:cs typeface="Arial" panose="020B0604020202020204" pitchFamily="34" charset="0"/>
+            </a:endParaRPr>
           </a:p>
           <a:p>
             <a:pPr>
@@ -6990,24 +6994,6 @@
 </file>
 
 <file path=customXml/item1.xml><?xml version="1.0" encoding="utf-8"?>
-<?mso-contentType ?>
-<FormTemplates xmlns="http://schemas.microsoft.com/sharepoint/v3/contenttype/forms">
-  <Display>DocumentLibraryForm</Display>
-  <Edit>DocumentLibraryForm</Edit>
-  <New>DocumentLibraryForm</New>
-</FormTemplates>
-</file>
-
-<file path=customXml/item2.xml><?xml version="1.0" encoding="utf-8"?>
-<p:properties xmlns:p="http://schemas.microsoft.com/office/2006/metadata/properties" xmlns:xsi="http://www.w3.org/2001/XMLSchema-instance" xmlns:pc="http://schemas.microsoft.com/office/infopath/2007/PartnerControls">
-  <documentManagement>
-    <Status xmlns="71af3243-3dd4-4a8d-8c0d-dd76da1f02a5">Not started</Status>
-    <MediaServiceKeyPoints xmlns="71af3243-3dd4-4a8d-8c0d-dd76da1f02a5" xsi:nil="true"/>
-  </documentManagement>
-</p:properties>
-</file>
-
-<file path=customXml/item3.xml><?xml version="1.0" encoding="utf-8"?>
 <ct:contentTypeSchema xmlns:ct="http://schemas.microsoft.com/office/2006/metadata/contentType" xmlns:ma="http://schemas.microsoft.com/office/2006/metadata/properties/metaAttributes" ct:_="" ma:_="" ma:contentTypeName="Document" ma:contentTypeID="0x01010079F111ED35F8CC479449609E8A0923A6" ma:contentTypeVersion="12" ma:contentTypeDescription="Create a new document." ma:contentTypeScope="" ma:versionID="a410dd7f93c95333ffa1b60ed6adedd1">
   <xsd:schema xmlns:xsd="http://www.w3.org/2001/XMLSchema" xmlns:xs="http://www.w3.org/2001/XMLSchema" xmlns:p="http://schemas.microsoft.com/office/2006/metadata/properties" xmlns:ns2="71af3243-3dd4-4a8d-8c0d-dd76da1f02a5" xmlns:ns3="16c05727-aa75-4e4a-9b5f-8a80a1165891" targetNamespace="http://schemas.microsoft.com/office/2006/metadata/properties" ma:root="true" ma:fieldsID="a936d9baba76aa3866493feff160faab" ns2:_="" ns3:_="">
     <xsd:import namespace="71af3243-3dd4-4a8d-8c0d-dd76da1f02a5"/>
@@ -7228,25 +7214,25 @@
 </ct:contentTypeSchema>
 </file>
 
-<file path=customXml/itemProps1.xml><?xml version="1.0" encoding="utf-8"?>
-<ds:datastoreItem xmlns:ds="http://schemas.openxmlformats.org/officeDocument/2006/customXml" ds:itemID="{AA3F7EDC-E5B4-4BBC-9D2A-CBE6D46C37AD}">
-  <ds:schemaRefs>
-    <ds:schemaRef ds:uri="http://schemas.microsoft.com/sharepoint/v3/contenttype/forms"/>
-  </ds:schemaRefs>
-</ds:datastoreItem>
+<file path=customXml/item2.xml><?xml version="1.0" encoding="utf-8"?>
+<p:properties xmlns:p="http://schemas.microsoft.com/office/2006/metadata/properties" xmlns:xsi="http://www.w3.org/2001/XMLSchema-instance" xmlns:pc="http://schemas.microsoft.com/office/infopath/2007/PartnerControls">
+  <documentManagement>
+    <Status xmlns="71af3243-3dd4-4a8d-8c0d-dd76da1f02a5">Not started</Status>
+    <MediaServiceKeyPoints xmlns="71af3243-3dd4-4a8d-8c0d-dd76da1f02a5" xsi:nil="true"/>
+  </documentManagement>
+</p:properties>
 </file>
 
-<file path=customXml/itemProps2.xml><?xml version="1.0" encoding="utf-8"?>
-<ds:datastoreItem xmlns:ds="http://schemas.openxmlformats.org/officeDocument/2006/customXml" ds:itemID="{A03EEFF0-FB57-4CB4-8BFC-DF397689E2ED}">
-  <ds:schemaRefs>
-    <ds:schemaRef ds:uri="http://schemas.microsoft.com/office/2006/metadata/properties"/>
-    <ds:schemaRef ds:uri="http://schemas.microsoft.com/office/infopath/2007/PartnerControls"/>
-    <ds:schemaRef ds:uri="71af3243-3dd4-4a8d-8c0d-dd76da1f02a5"/>
-  </ds:schemaRefs>
-</ds:datastoreItem>
+<file path=customXml/item3.xml><?xml version="1.0" encoding="utf-8"?>
+<?mso-contentType ?>
+<FormTemplates xmlns="http://schemas.microsoft.com/sharepoint/v3/contenttype/forms">
+  <Display>DocumentLibraryForm</Display>
+  <Edit>DocumentLibraryForm</Edit>
+  <New>DocumentLibraryForm</New>
+</FormTemplates>
 </file>
 
-<file path=customXml/itemProps3.xml><?xml version="1.0" encoding="utf-8"?>
+<file path=customXml/itemProps1.xml><?xml version="1.0" encoding="utf-8"?>
 <ds:datastoreItem xmlns:ds="http://schemas.openxmlformats.org/officeDocument/2006/customXml" ds:itemID="{93932EF5-314F-409E-8020-FEE5FA0795B9}">
   <ds:schemaRefs>
     <ds:schemaRef ds:uri="http://schemas.microsoft.com/office/2006/metadata/contentType"/>
@@ -7263,4 +7249,22 @@
     <ds:schemaRef ds:uri="http://schemas.microsoft.com/internal/obd"/>
   </ds:schemaRefs>
 </ds:datastoreItem>
+</file>
+
+<file path=customXml/itemProps2.xml><?xml version="1.0" encoding="utf-8"?>
+<ds:datastoreItem xmlns:ds="http://schemas.openxmlformats.org/officeDocument/2006/customXml" ds:itemID="{A03EEFF0-FB57-4CB4-8BFC-DF397689E2ED}">
+  <ds:schemaRefs>
+    <ds:schemaRef ds:uri="http://schemas.microsoft.com/office/2006/metadata/properties"/>
+    <ds:schemaRef ds:uri="http://schemas.microsoft.com/office/infopath/2007/PartnerControls"/>
+    <ds:schemaRef ds:uri="71af3243-3dd4-4a8d-8c0d-dd76da1f02a5"/>
+  </ds:schemaRefs>
+</ds:datastoreItem>
+</file>
+
+<file path=customXml/itemProps3.xml><?xml version="1.0" encoding="utf-8"?>
+<ds:datastoreItem xmlns:ds="http://schemas.openxmlformats.org/officeDocument/2006/customXml" ds:itemID="{AA3F7EDC-E5B4-4BBC-9D2A-CBE6D46C37AD}">
+  <ds:schemaRefs>
+    <ds:schemaRef ds:uri="http://schemas.microsoft.com/sharepoint/v3/contenttype/forms"/>
+  </ds:schemaRefs>
+</ds:datastoreItem>
 </file>
--- a/Credit Risk Capstone Project.pptx
+++ b/Credit Risk Capstone Project.pptx
@@ -363,7 +363,7 @@
           <a:p>
             <a:fld id="{9184DA70-C731-4C70-880D-CCD4705E623C}" type="datetime1">
               <a:rPr lang="en-US" smtClean="0"/>
-              <a:t>4/23/2020</a:t>
+              <a:t>4/29/2020</a:t>
             </a:fld>
             <a:endParaRPr lang="en-US" dirty="0"/>
           </a:p>
@@ -551,7 +551,7 @@
           <a:p>
             <a:fld id="{4BE1D723-8F53-4F53-90B0-1982A396982E}" type="datetime1">
               <a:rPr lang="en-US" smtClean="0"/>
-              <a:t>4/23/2020</a:t>
+              <a:t>4/29/2020</a:t>
             </a:fld>
             <a:endParaRPr lang="en-US" dirty="0"/>
           </a:p>
@@ -924,7 +924,7 @@
           <a:p>
             <a:fld id="{97669AF7-7BEB-44E4-9852-375E34362B5B}" type="datetime1">
               <a:rPr lang="en-US" smtClean="0"/>
-              <a:t>4/23/2020</a:t>
+              <a:t>4/29/2020</a:t>
             </a:fld>
             <a:endParaRPr lang="en-US" dirty="0"/>
           </a:p>
@@ -1179,7 +1179,7 @@
           <a:p>
             <a:fld id="{BAAAC38D-0552-4C82-B593-E6124DFADBE2}" type="datetime1">
               <a:rPr lang="en-US" smtClean="0"/>
-              <a:t>4/23/2020</a:t>
+              <a:t>4/29/2020</a:t>
             </a:fld>
             <a:endParaRPr lang="en-US" dirty="0"/>
           </a:p>
@@ -1576,7 +1576,7 @@
           <a:p>
             <a:fld id="{D9DF0F1C-5577-4ACB-BB62-DF8F3C494C7E}" type="datetime1">
               <a:rPr lang="en-US" smtClean="0"/>
-              <a:t>4/23/2020</a:t>
+              <a:t>4/29/2020</a:t>
             </a:fld>
             <a:endParaRPr lang="en-US" dirty="0"/>
           </a:p>
@@ -1712,7 +1712,7 @@
           <a:p>
             <a:fld id="{1775B394-D9F9-4F0C-B15D-605F45CB9E9F}" type="datetime1">
               <a:rPr lang="en-US" smtClean="0"/>
-              <a:t>4/23/2020</a:t>
+              <a:t>4/29/2020</a:t>
             </a:fld>
             <a:endParaRPr lang="en-US" dirty="0"/>
           </a:p>
@@ -1869,7 +1869,7 @@
           <a:p>
             <a:fld id="{39667345-2558-425A-8533-9BFDBCE15005}" type="datetime1">
               <a:rPr lang="en-US" smtClean="0"/>
-              <a:t>4/23/2020</a:t>
+              <a:t>4/29/2020</a:t>
             </a:fld>
             <a:endParaRPr lang="en-US" dirty="0"/>
           </a:p>
@@ -2198,7 +2198,7 @@
           <a:p>
             <a:fld id="{92BEA474-078D-4E9B-9B14-09A87B19DC46}" type="datetime1">
               <a:rPr lang="en-US" smtClean="0"/>
-              <a:t>4/23/2020</a:t>
+              <a:t>4/29/2020</a:t>
             </a:fld>
             <a:endParaRPr lang="en-US" dirty="0"/>
           </a:p>
@@ -2548,7 +2548,7 @@
           <a:p>
             <a:fld id="{4907D986-8816-4272-A432-0437A28A9828}" type="datetime1">
               <a:rPr lang="en-US" smtClean="0"/>
-              <a:t>4/23/2020</a:t>
+              <a:t>4/29/2020</a:t>
             </a:fld>
             <a:endParaRPr lang="en-US" dirty="0"/>
           </a:p>
@@ -2809,7 +2809,7 @@
           <a:p>
             <a:fld id="{62D6E202-B606-4609-B914-27C9371A1F6D}" type="datetime1">
               <a:rPr lang="en-US" smtClean="0"/>
-              <a:t>4/23/2020</a:t>
+              <a:t>4/29/2020</a:t>
             </a:fld>
             <a:endParaRPr lang="en-US" dirty="0"/>
           </a:p>
@@ -4390,7 +4390,7 @@
             <p:ph idx="1"/>
             <p:extLst>
               <p:ext uri="{D42A27DB-BD31-4B8C-83A1-F6EECF244321}">
-                <p14:modId xmlns:p14="http://schemas.microsoft.com/office/powerpoint/2010/main" val="4223703113"/>
+                <p14:modId xmlns:p14="http://schemas.microsoft.com/office/powerpoint/2010/main" val="1331274086"/>
               </p:ext>
             </p:extLst>
           </p:nvPr>
@@ -4477,7 +4477,7 @@
                           <a:latin typeface="Arial Unicode MS"/>
                           <a:ea typeface="Courier New" panose="02070309020205020404" pitchFamily="49" charset="0"/>
                         </a:rPr>
-                        <a:t>0.99927 </a:t>
+                        <a:t>0.99949</a:t>
                       </a:r>
                       <a:endParaRPr lang="en-SG" dirty="0"/>
                     </a:p>
@@ -4546,7 +4546,7 @@
                           <a:latin typeface="Arial Unicode MS"/>
                           <a:ea typeface="Courier New" panose="02070309020205020404" pitchFamily="49" charset="0"/>
                         </a:rPr>
-                        <a:t>0.99633</a:t>
+                        <a:t>0.99362</a:t>
                       </a:r>
                       <a:endParaRPr lang="en-SG" dirty="0"/>
                     </a:p>
@@ -4615,7 +4615,7 @@
                           <a:latin typeface="Arial Unicode MS"/>
                           <a:ea typeface="Courier New" panose="02070309020205020404" pitchFamily="49" charset="0"/>
                         </a:rPr>
-                        <a:t>0.00367</a:t>
+                        <a:t>0.00638</a:t>
                       </a:r>
                       <a:endParaRPr lang="en-SG" dirty="0"/>
                     </a:p>
@@ -4684,7 +4684,7 @@
                           <a:latin typeface="Arial Unicode MS"/>
                           <a:ea typeface="Courier New" panose="02070309020205020404" pitchFamily="49" charset="0"/>
                         </a:rPr>
-                        <a:t>0.00073</a:t>
+                        <a:t>0.00051</a:t>
                       </a:r>
                       <a:endParaRPr lang="en-SG" dirty="0"/>
                     </a:p>
@@ -4739,7 +4739,7 @@
                           <a:latin typeface="Arial Unicode MS"/>
                           <a:ea typeface="Courier New" panose="02070309020205020404" pitchFamily="49" charset="0"/>
                         </a:rPr>
-                        <a:t>0.99933</a:t>
+                        <a:t>0.99922</a:t>
                       </a:r>
                       <a:endParaRPr lang="en-SG" dirty="0"/>
                     </a:p>
@@ -4808,7 +4808,7 @@
                           <a:latin typeface="Arial Unicode MS"/>
                           <a:ea typeface="Courier New" panose="02070309020205020404" pitchFamily="49" charset="0"/>
                         </a:rPr>
-                        <a:t>0.99845</a:t>
+                        <a:t>0.99924</a:t>
                       </a:r>
                       <a:endParaRPr lang="en-SG" dirty="0"/>
                     </a:p>
@@ -4877,7 +4877,7 @@
                           <a:latin typeface="Arial Unicode MS"/>
                           <a:ea typeface="Courier New" panose="02070309020205020404" pitchFamily="49" charset="0"/>
                         </a:rPr>
-                        <a:t>0.99768</a:t>
+                        <a:t>0.99420</a:t>
                       </a:r>
                       <a:endParaRPr lang="en-SG" dirty="0"/>
                     </a:p>
@@ -4946,7 +4946,7 @@
                           <a:latin typeface="Arial Unicode MS"/>
                           <a:ea typeface="Courier New" panose="02070309020205020404" pitchFamily="49" charset="0"/>
                         </a:rPr>
-                        <a:t>0.00232</a:t>
+                        <a:t>0.00580</a:t>
                       </a:r>
                       <a:endParaRPr lang="en-SG" dirty="0"/>
                     </a:p>
@@ -5015,7 +5015,17 @@
                           <a:latin typeface="Arial Unicode MS"/>
                           <a:ea typeface="Courier New" panose="02070309020205020404" pitchFamily="49" charset="0"/>
                         </a:rPr>
-                        <a:t>0.00155</a:t>
+                        <a:t>0</a:t>
+                      </a:r>
+                      <a:r>
+                        <a:rPr lang="en-US" altLang="en-US" sz="1800" dirty="0">
+                          <a:solidFill>
+                            <a:srgbClr val="000000"/>
+                          </a:solidFill>
+                          <a:latin typeface="Arial Unicode MS"/>
+                          <a:ea typeface="Courier New" panose="02070309020205020404" pitchFamily="49" charset="0"/>
+                        </a:rPr>
+                        <a:t>.00076</a:t>
                       </a:r>
                       <a:endParaRPr lang="en-SG" dirty="0"/>
                     </a:p>
@@ -5070,7 +5080,7 @@
                           <a:latin typeface="Arial Unicode MS"/>
                           <a:ea typeface="Courier New" panose="02070309020205020404" pitchFamily="49" charset="0"/>
                         </a:rPr>
-                        <a:t>0.99903</a:t>
+                        <a:t>0.99914</a:t>
                       </a:r>
                       <a:endParaRPr lang="en-SG" dirty="0"/>
                     </a:p>
@@ -5105,7 +5115,7 @@
         </p:nvSpPr>
         <p:spPr bwMode="auto">
           <a:xfrm>
-            <a:off x="1096963" y="502812"/>
+            <a:off x="1096963" y="367099"/>
             <a:ext cx="3561873" cy="984885"/>
           </a:xfrm>
           <a:prstGeom prst="rect">
@@ -5326,7 +5336,7 @@
             <p:ph idx="1"/>
             <p:extLst>
               <p:ext uri="{D42A27DB-BD31-4B8C-83A1-F6EECF244321}">
-                <p14:modId xmlns:p14="http://schemas.microsoft.com/office/powerpoint/2010/main" val="4227070326"/>
+                <p14:modId xmlns:p14="http://schemas.microsoft.com/office/powerpoint/2010/main" val="224986190"/>
               </p:ext>
             </p:extLst>
           </p:nvPr>
@@ -5413,7 +5423,7 @@
                           <a:latin typeface="Arial Unicode MS"/>
                           <a:ea typeface="Courier New" panose="02070309020205020404" pitchFamily="49" charset="0"/>
                         </a:rPr>
-                        <a:t>0.99965</a:t>
+                        <a:t>0.99924</a:t>
                       </a:r>
                       <a:endParaRPr lang="en-SG" dirty="0"/>
                     </a:p>
@@ -5482,7 +5492,7 @@
                           <a:latin typeface="Arial Unicode MS"/>
                           <a:ea typeface="Courier New" panose="02070309020205020404" pitchFamily="49" charset="0"/>
                         </a:rPr>
-                        <a:t>0.99478</a:t>
+                        <a:t>0.99420</a:t>
                       </a:r>
                       <a:endParaRPr lang="en-SG" dirty="0"/>
                     </a:p>
@@ -5551,7 +5561,7 @@
                           <a:latin typeface="Arial Unicode MS"/>
                           <a:ea typeface="Courier New" panose="02070309020205020404" pitchFamily="49" charset="0"/>
                         </a:rPr>
-                        <a:t>0.00522</a:t>
+                        <a:t>0.00580</a:t>
                       </a:r>
                       <a:endParaRPr lang="en-SG" dirty="0"/>
                     </a:p>
@@ -5620,7 +5630,17 @@
                           <a:latin typeface="Arial Unicode MS"/>
                           <a:ea typeface="Courier New" panose="02070309020205020404" pitchFamily="49" charset="0"/>
                         </a:rPr>
-                        <a:t>0.00035</a:t>
+                        <a:t>0.</a:t>
+                      </a:r>
+                      <a:r>
+                        <a:rPr lang="en-US" altLang="en-US" sz="1800" dirty="0">
+                          <a:solidFill>
+                            <a:srgbClr val="000000"/>
+                          </a:solidFill>
+                          <a:latin typeface="Arial Unicode MS"/>
+                          <a:ea typeface="Courier New" panose="02070309020205020404" pitchFamily="49" charset="0"/>
+                        </a:rPr>
+                        <a:t>00076</a:t>
                       </a:r>
                       <a:endParaRPr lang="en-SG" dirty="0"/>
                     </a:p>
@@ -5675,7 +5695,7 @@
                           <a:latin typeface="Arial Unicode MS"/>
                           <a:ea typeface="Courier New" panose="02070309020205020404" pitchFamily="49" charset="0"/>
                         </a:rPr>
-                        <a:t>0.99940</a:t>
+                        <a:t>0.99914</a:t>
                       </a:r>
                       <a:endParaRPr lang="en-SG" dirty="0"/>
                     </a:p>
@@ -5874,6 +5894,87 @@
           </a:p>
         </p:txBody>
       </p:sp>
+      <p:sp>
+        <p:nvSpPr>
+          <p:cNvPr id="3" name="Rectangle 1">
+            <a:extLst>
+              <a:ext uri="{FF2B5EF4-FFF2-40B4-BE49-F238E27FC236}">
+                <a16:creationId xmlns:a16="http://schemas.microsoft.com/office/drawing/2014/main" id="{E8DE38B1-52F3-469C-ACB2-CF7D299D3845}"/>
+              </a:ext>
+            </a:extLst>
+          </p:cNvPr>
+          <p:cNvSpPr>
+            <a:spLocks noChangeArrowheads="1"/>
+          </p:cNvSpPr>
+          <p:nvPr/>
+        </p:nvSpPr>
+        <p:spPr bwMode="auto">
+          <a:xfrm>
+            <a:off x="0" y="90101"/>
+            <a:ext cx="65" cy="276999"/>
+          </a:xfrm>
+          <a:prstGeom prst="rect">
+            <a:avLst/>
+          </a:prstGeom>
+          <a:solidFill>
+            <a:srgbClr val="FFFFFF"/>
+          </a:solidFill>
+          <a:ln>
+            <a:noFill/>
+          </a:ln>
+          <a:effectLst/>
+          <a:extLst>
+            <a:ext uri="{91240B29-F687-4F45-9708-019B960494DF}">
+              <a14:hiddenLine xmlns:a14="http://schemas.microsoft.com/office/drawing/2010/main" w="9525">
+                <a:solidFill>
+                  <a:schemeClr val="tx1"/>
+                </a:solidFill>
+                <a:miter lim="800000"/>
+                <a:headEnd/>
+                <a:tailEnd/>
+              </a14:hiddenLine>
+            </a:ext>
+            <a:ext uri="{AF507438-7753-43E0-B8FC-AC1667EBCBE1}">
+              <a14:hiddenEffects xmlns:a14="http://schemas.microsoft.com/office/drawing/2010/main">
+                <a:effectLst>
+                  <a:outerShdw dist="35921" dir="2700000" algn="ctr" rotWithShape="0">
+                    <a:schemeClr val="bg2"/>
+                  </a:outerShdw>
+                </a:effectLst>
+              </a14:hiddenEffects>
+            </a:ext>
+          </a:extLst>
+        </p:spPr>
+        <p:txBody>
+          <a:bodyPr vert="horz" wrap="none" lIns="0" tIns="0" rIns="0" bIns="0" numCol="1" anchor="ctr" anchorCtr="0" compatLnSpc="1">
+            <a:prstTxWarp prst="textNoShape">
+              <a:avLst/>
+            </a:prstTxWarp>
+            <a:spAutoFit/>
+          </a:bodyPr>
+          <a:lstStyle/>
+          <a:p>
+            <a:pPr lvl="0" eaLnBrk="0" fontAlgn="base" hangingPunct="0">
+              <a:spcBef>
+                <a:spcPct val="0"/>
+              </a:spcBef>
+              <a:spcAft>
+                <a:spcPct val="0"/>
+              </a:spcAft>
+            </a:pPr>
+            <a:endParaRPr kumimoji="0" lang="en-US" altLang="en-US" sz="1800" b="0" i="0" u="none" strike="noStrike" cap="none" normalizeH="0" baseline="0" dirty="0">
+              <a:ln>
+                <a:noFill/>
+              </a:ln>
+              <a:solidFill>
+                <a:schemeClr val="tx1"/>
+              </a:solidFill>
+              <a:effectLst/>
+              <a:latin typeface="Arial" panose="020B0604020202020204" pitchFamily="34" charset="0"/>
+            </a:endParaRPr>
+          </a:p>
+        </p:txBody>
+      </p:sp>
     </p:spTree>
     <p:extLst>
       <p:ext uri="{BB962C8B-B14F-4D97-AF65-F5344CB8AC3E}">
@@ -5960,7 +6061,7 @@
             <p:ph idx="1"/>
             <p:extLst>
               <p:ext uri="{D42A27DB-BD31-4B8C-83A1-F6EECF244321}">
-                <p14:modId xmlns:p14="http://schemas.microsoft.com/office/powerpoint/2010/main" val="986388788"/>
+                <p14:modId xmlns:p14="http://schemas.microsoft.com/office/powerpoint/2010/main" val="1375710718"/>
               </p:ext>
             </p:extLst>
           </p:nvPr>
@@ -6081,7 +6182,7 @@
                           <a:latin typeface="Arial Unicode MS"/>
                           <a:ea typeface="Courier New" panose="02070309020205020404" pitchFamily="49" charset="0"/>
                         </a:rPr>
-                        <a:t>0.0</a:t>
+                        <a:t>0.52693</a:t>
                       </a:r>
                       <a:endParaRPr kumimoji="0" lang="en-US" altLang="en-US" sz="4000" b="0" i="0" u="none" strike="noStrike" cap="none" normalizeH="0" baseline="0" dirty="0">
                         <a:ln>
@@ -6159,7 +6260,7 @@
                           <a:latin typeface="Arial Unicode MS"/>
                           <a:ea typeface="Courier New" panose="02070309020205020404" pitchFamily="49" charset="0"/>
                         </a:rPr>
-                        <a:t>1.0</a:t>
+                        <a:t>0.48704</a:t>
                       </a:r>
                       <a:endParaRPr lang="en-SG" dirty="0"/>
                     </a:p>
@@ -6228,7 +6329,7 @@
                           <a:latin typeface="Arial Unicode MS"/>
                           <a:ea typeface="Courier New" panose="02070309020205020404" pitchFamily="49" charset="0"/>
                         </a:rPr>
-                        <a:t>0.0</a:t>
+                        <a:t>0.51296</a:t>
                       </a:r>
                       <a:endParaRPr lang="en-SG" dirty="0"/>
                     </a:p>
@@ -6297,7 +6398,7 @@
                           <a:latin typeface="Arial Unicode MS"/>
                           <a:ea typeface="Courier New" panose="02070309020205020404" pitchFamily="49" charset="0"/>
                         </a:rPr>
-                        <a:t>1.0</a:t>
+                        <a:t>0.47307</a:t>
                       </a:r>
                       <a:endParaRPr lang="en-SG" dirty="0"/>
                     </a:p>
@@ -6352,7 +6453,7 @@
                           <a:latin typeface="Arial Unicode MS"/>
                           <a:ea typeface="Courier New" panose="02070309020205020404" pitchFamily="49" charset="0"/>
                         </a:rPr>
-                        <a:t>0.0</a:t>
+                        <a:t>0.64749</a:t>
                       </a:r>
                       <a:endParaRPr lang="en-SG" dirty="0"/>
                     </a:p>
@@ -6994,6 +7095,24 @@
 </file>
 
 <file path=customXml/item1.xml><?xml version="1.0" encoding="utf-8"?>
+<?mso-contentType ?>
+<FormTemplates xmlns="http://schemas.microsoft.com/sharepoint/v3/contenttype/forms">
+  <Display>DocumentLibraryForm</Display>
+  <Edit>DocumentLibraryForm</Edit>
+  <New>DocumentLibraryForm</New>
+</FormTemplates>
+</file>
+
+<file path=customXml/item2.xml><?xml version="1.0" encoding="utf-8"?>
+<p:properties xmlns:p="http://schemas.microsoft.com/office/2006/metadata/properties" xmlns:xsi="http://www.w3.org/2001/XMLSchema-instance" xmlns:pc="http://schemas.microsoft.com/office/infopath/2007/PartnerControls">
+  <documentManagement>
+    <Status xmlns="71af3243-3dd4-4a8d-8c0d-dd76da1f02a5">Not started</Status>
+    <MediaServiceKeyPoints xmlns="71af3243-3dd4-4a8d-8c0d-dd76da1f02a5" xsi:nil="true"/>
+  </documentManagement>
+</p:properties>
+</file>
+
+<file path=customXml/item3.xml><?xml version="1.0" encoding="utf-8"?>
 <ct:contentTypeSchema xmlns:ct="http://schemas.microsoft.com/office/2006/metadata/contentType" xmlns:ma="http://schemas.microsoft.com/office/2006/metadata/properties/metaAttributes" ct:_="" ma:_="" ma:contentTypeName="Document" ma:contentTypeID="0x01010079F111ED35F8CC479449609E8A0923A6" ma:contentTypeVersion="12" ma:contentTypeDescription="Create a new document." ma:contentTypeScope="" ma:versionID="a410dd7f93c95333ffa1b60ed6adedd1">
   <xsd:schema xmlns:xsd="http://www.w3.org/2001/XMLSchema" xmlns:xs="http://www.w3.org/2001/XMLSchema" xmlns:p="http://schemas.microsoft.com/office/2006/metadata/properties" xmlns:ns2="71af3243-3dd4-4a8d-8c0d-dd76da1f02a5" xmlns:ns3="16c05727-aa75-4e4a-9b5f-8a80a1165891" targetNamespace="http://schemas.microsoft.com/office/2006/metadata/properties" ma:root="true" ma:fieldsID="a936d9baba76aa3866493feff160faab" ns2:_="" ns3:_="">
     <xsd:import namespace="71af3243-3dd4-4a8d-8c0d-dd76da1f02a5"/>
@@ -7214,25 +7333,25 @@
 </ct:contentTypeSchema>
 </file>
 
-<file path=customXml/item2.xml><?xml version="1.0" encoding="utf-8"?>
-<p:properties xmlns:p="http://schemas.microsoft.com/office/2006/metadata/properties" xmlns:xsi="http://www.w3.org/2001/XMLSchema-instance" xmlns:pc="http://schemas.microsoft.com/office/infopath/2007/PartnerControls">
-  <documentManagement>
-    <Status xmlns="71af3243-3dd4-4a8d-8c0d-dd76da1f02a5">Not started</Status>
-    <MediaServiceKeyPoints xmlns="71af3243-3dd4-4a8d-8c0d-dd76da1f02a5" xsi:nil="true"/>
-  </documentManagement>
-</p:properties>
+<file path=customXml/itemProps1.xml><?xml version="1.0" encoding="utf-8"?>
+<ds:datastoreItem xmlns:ds="http://schemas.openxmlformats.org/officeDocument/2006/customXml" ds:itemID="{AA3F7EDC-E5B4-4BBC-9D2A-CBE6D46C37AD}">
+  <ds:schemaRefs>
+    <ds:schemaRef ds:uri="http://schemas.microsoft.com/sharepoint/v3/contenttype/forms"/>
+  </ds:schemaRefs>
+</ds:datastoreItem>
 </file>
 
-<file path=customXml/item3.xml><?xml version="1.0" encoding="utf-8"?>
-<?mso-contentType ?>
-<FormTemplates xmlns="http://schemas.microsoft.com/sharepoint/v3/contenttype/forms">
-  <Display>DocumentLibraryForm</Display>
-  <Edit>DocumentLibraryForm</Edit>
-  <New>DocumentLibraryForm</New>
-</FormTemplates>
+<file path=customXml/itemProps2.xml><?xml version="1.0" encoding="utf-8"?>
+<ds:datastoreItem xmlns:ds="http://schemas.openxmlformats.org/officeDocument/2006/customXml" ds:itemID="{A03EEFF0-FB57-4CB4-8BFC-DF397689E2ED}">
+  <ds:schemaRefs>
+    <ds:schemaRef ds:uri="http://schemas.microsoft.com/office/2006/metadata/properties"/>
+    <ds:schemaRef ds:uri="http://schemas.microsoft.com/office/infopath/2007/PartnerControls"/>
+    <ds:schemaRef ds:uri="71af3243-3dd4-4a8d-8c0d-dd76da1f02a5"/>
+  </ds:schemaRefs>
+</ds:datastoreItem>
 </file>
 
-<file path=customXml/itemProps1.xml><?xml version="1.0" encoding="utf-8"?>
+<file path=customXml/itemProps3.xml><?xml version="1.0" encoding="utf-8"?>
 <ds:datastoreItem xmlns:ds="http://schemas.openxmlformats.org/officeDocument/2006/customXml" ds:itemID="{93932EF5-314F-409E-8020-FEE5FA0795B9}">
   <ds:schemaRefs>
     <ds:schemaRef ds:uri="http://schemas.microsoft.com/office/2006/metadata/contentType"/>
@@ -7249,22 +7368,4 @@
     <ds:schemaRef ds:uri="http://schemas.microsoft.com/internal/obd"/>
   </ds:schemaRefs>
 </ds:datastoreItem>
-</file>
-
-<file path=customXml/itemProps2.xml><?xml version="1.0" encoding="utf-8"?>
-<ds:datastoreItem xmlns:ds="http://schemas.openxmlformats.org/officeDocument/2006/customXml" ds:itemID="{A03EEFF0-FB57-4CB4-8BFC-DF397689E2ED}">
-  <ds:schemaRefs>
-    <ds:schemaRef ds:uri="http://schemas.microsoft.com/office/2006/metadata/properties"/>
-    <ds:schemaRef ds:uri="http://schemas.microsoft.com/office/infopath/2007/PartnerControls"/>
-    <ds:schemaRef ds:uri="71af3243-3dd4-4a8d-8c0d-dd76da1f02a5"/>
-  </ds:schemaRefs>
-</ds:datastoreItem>
-</file>
-
-<file path=customXml/itemProps3.xml><?xml version="1.0" encoding="utf-8"?>
-<ds:datastoreItem xmlns:ds="http://schemas.openxmlformats.org/officeDocument/2006/customXml" ds:itemID="{AA3F7EDC-E5B4-4BBC-9D2A-CBE6D46C37AD}">
-  <ds:schemaRefs>
-    <ds:schemaRef ds:uri="http://schemas.microsoft.com/sharepoint/v3/contenttype/forms"/>
-  </ds:schemaRefs>
-</ds:datastoreItem>
 </file>